--- a/3_supplementaryLab.pptx
+++ b/3_supplementaryLab.pptx
@@ -5,7 +5,7 @@
     <p:sldMasterId id="2147483648" r:id="rId1"/>
   </p:sldMasterIdLst>
   <p:notesMasterIdLst>
-    <p:notesMasterId r:id="rId14"/>
+    <p:notesMasterId r:id="rId11"/>
   </p:notesMasterIdLst>
   <p:sldIdLst>
     <p:sldId id="256" r:id="rId2"/>
@@ -16,10 +16,7 @@
     <p:sldId id="284" r:id="rId7"/>
     <p:sldId id="283" r:id="rId8"/>
     <p:sldId id="287" r:id="rId9"/>
-    <p:sldId id="286" r:id="rId10"/>
-    <p:sldId id="280" r:id="rId11"/>
-    <p:sldId id="288" r:id="rId12"/>
-    <p:sldId id="289" r:id="rId13"/>
+    <p:sldId id="280" r:id="rId10"/>
   </p:sldIdLst>
   <p:sldSz cx="12192000" cy="6858000"/>
   <p:notesSz cx="6858000" cy="9144000"/>
@@ -3968,2222 +3965,6 @@
   <p:clrMapOvr>
     <a:masterClrMapping/>
   </p:clrMapOvr>
-</p:sld>
-</file>
-
-<file path=ppt/slides/slide10.xml><?xml version="1.0" encoding="utf-8"?>
-<p:sld xmlns:a="http://schemas.openxmlformats.org/drawingml/2006/main" xmlns:r="http://schemas.openxmlformats.org/officeDocument/2006/relationships" xmlns:p="http://schemas.openxmlformats.org/presentationml/2006/main">
-  <p:cSld>
-    <p:spTree>
-      <p:nvGrpSpPr>
-        <p:cNvPr id="1" name=""/>
-        <p:cNvGrpSpPr/>
-        <p:nvPr/>
-      </p:nvGrpSpPr>
-      <p:grpSpPr>
-        <a:xfrm>
-          <a:off x="0" y="0"/>
-          <a:ext cx="0" cy="0"/>
-          <a:chOff x="0" y="0"/>
-          <a:chExt cx="0" cy="0"/>
-        </a:xfrm>
-      </p:grpSpPr>
-      <p:sp>
-        <p:nvSpPr>
-          <p:cNvPr id="2" name="Title 1">
-            <a:extLst>
-              <a:ext uri="{FF2B5EF4-FFF2-40B4-BE49-F238E27FC236}">
-                <a16:creationId xmlns:a16="http://schemas.microsoft.com/office/drawing/2014/main" id="{AC3B47EA-D730-1863-0F68-92669E5FC314}"/>
-              </a:ext>
-            </a:extLst>
-          </p:cNvPr>
-          <p:cNvSpPr>
-            <a:spLocks noGrp="1"/>
-          </p:cNvSpPr>
-          <p:nvPr>
-            <p:ph type="title"/>
-          </p:nvPr>
-        </p:nvSpPr>
-        <p:spPr/>
-        <p:txBody>
-          <a:bodyPr/>
-          <a:lstStyle/>
-          <a:p>
-            <a:r>
-              <a:rPr lang="en-US" dirty="0"/>
-              <a:t>Probability – continuous support</a:t>
-            </a:r>
-            <a:endParaRPr lang="en-DE" dirty="0"/>
-          </a:p>
-        </p:txBody>
-      </p:sp>
-      <mc:AlternateContent xmlns:mc="http://schemas.openxmlformats.org/markup-compatibility/2006">
-        <mc:Choice xmlns:a14="http://schemas.microsoft.com/office/drawing/2010/main" Requires="a14">
-          <p:sp>
-            <p:nvSpPr>
-              <p:cNvPr id="3" name="Content Placeholder 2">
-                <a:extLst>
-                  <a:ext uri="{FF2B5EF4-FFF2-40B4-BE49-F238E27FC236}">
-                    <a16:creationId xmlns:a16="http://schemas.microsoft.com/office/drawing/2014/main" id="{A589C42C-4D2C-7207-1C84-58BC1BD6A4B8}"/>
-                  </a:ext>
-                </a:extLst>
-              </p:cNvPr>
-              <p:cNvSpPr>
-                <a:spLocks noGrp="1"/>
-              </p:cNvSpPr>
-              <p:nvPr>
-                <p:ph idx="1"/>
-              </p:nvPr>
-            </p:nvSpPr>
-            <p:spPr/>
-            <p:txBody>
-              <a:bodyPr/>
-              <a:lstStyle/>
-              <a:p>
-                <a:r>
-                  <a:rPr lang="en-US" dirty="0"/>
-                  <a:t>In order to explain the basic terminology, I have only used distributions with finite discrete support.</a:t>
-                </a:r>
-              </a:p>
-              <a:p>
-                <a:r>
-                  <a:rPr lang="en-US" dirty="0"/>
-                  <a:t>But of course, there are distributions with </a:t>
-                </a:r>
-              </a:p>
-              <a:p>
-                <a:pPr lvl="1"/>
-                <a:r>
-                  <a:rPr lang="en-US" dirty="0"/>
-                  <a:t>Infinite discrete support, e.g., [0, 1, 2, …, </a:t>
-                </a:r>
-                <a14:m>
-                  <m:oMath xmlns:m="http://schemas.openxmlformats.org/officeDocument/2006/math">
-                    <m:r>
-                      <a:rPr lang="en-US" b="0" i="1" smtClean="0">
-                        <a:latin typeface="Cambria Math" panose="02040503050406030204" pitchFamily="18" charset="0"/>
-                      </a:rPr>
-                      <m:t>∞</m:t>
-                    </m:r>
-                  </m:oMath>
-                </a14:m>
-                <a:r>
-                  <a:rPr lang="en-US" dirty="0"/>
-                  <a:t>)</a:t>
-                </a:r>
-              </a:p>
-              <a:p>
-                <a:pPr lvl="1"/>
-                <a:r>
-                  <a:rPr lang="en-US" dirty="0"/>
-                  <a:t>Bounded continuous support, e.g., [0, 1]</a:t>
-                </a:r>
-              </a:p>
-              <a:p>
-                <a:pPr lvl="1"/>
-                <a:r>
-                  <a:rPr lang="en-US" dirty="0"/>
-                  <a:t>Unbounded continuous, e.g., [0, </a:t>
-                </a:r>
-                <a14:m>
-                  <m:oMath xmlns:m="http://schemas.openxmlformats.org/officeDocument/2006/math">
-                    <m:r>
-                      <a:rPr lang="en-US" b="0" i="1" smtClean="0">
-                        <a:latin typeface="Cambria Math" panose="02040503050406030204" pitchFamily="18" charset="0"/>
-                      </a:rPr>
-                      <m:t>∞</m:t>
-                    </m:r>
-                  </m:oMath>
-                </a14:m>
-                <a:r>
-                  <a:rPr lang="en-US" dirty="0"/>
-                  <a:t>)</a:t>
-                </a:r>
-              </a:p>
-              <a:p>
-                <a:r>
-                  <a:rPr lang="en-US" dirty="0"/>
-                  <a:t>It’s a bit harder to deal with them mathematically, but what is important now is that you understand what’s going on conceptually.</a:t>
-                </a:r>
-              </a:p>
-              <a:p>
-                <a:r>
-                  <a:rPr lang="en-US" dirty="0"/>
-                  <a:t>Do you know examples of these?</a:t>
-                </a:r>
-                <a:endParaRPr lang="en-DE" dirty="0"/>
-              </a:p>
-            </p:txBody>
-          </p:sp>
-        </mc:Choice>
-        <mc:Fallback>
-          <p:sp>
-            <p:nvSpPr>
-              <p:cNvPr id="3" name="Content Placeholder 2">
-                <a:extLst>
-                  <a:ext uri="{FF2B5EF4-FFF2-40B4-BE49-F238E27FC236}">
-                    <a16:creationId xmlns:a16="http://schemas.microsoft.com/office/drawing/2014/main" id="{A589C42C-4D2C-7207-1C84-58BC1BD6A4B8}"/>
-                  </a:ext>
-                </a:extLst>
-              </p:cNvPr>
-              <p:cNvSpPr>
-                <a:spLocks noGrp="1" noRot="1" noChangeAspect="1" noMove="1" noResize="1" noEditPoints="1" noAdjustHandles="1" noChangeArrowheads="1" noChangeShapeType="1" noTextEdit="1"/>
-              </p:cNvSpPr>
-              <p:nvPr>
-                <p:ph idx="1"/>
-              </p:nvPr>
-            </p:nvSpPr>
-            <p:spPr>
-              <a:blipFill>
-                <a:blip r:embed="rId2"/>
-                <a:stretch>
-                  <a:fillRect l="-812" t="-1961"/>
-                </a:stretch>
-              </a:blipFill>
-            </p:spPr>
-            <p:txBody>
-              <a:bodyPr/>
-              <a:lstStyle/>
-              <a:p>
-                <a:r>
-                  <a:rPr lang="en-DE">
-                    <a:noFill/>
-                  </a:rPr>
-                  <a:t> </a:t>
-                </a:r>
-              </a:p>
-            </p:txBody>
-          </p:sp>
-        </mc:Fallback>
-      </mc:AlternateContent>
-    </p:spTree>
-    <p:extLst>
-      <p:ext uri="{BB962C8B-B14F-4D97-AF65-F5344CB8AC3E}">
-        <p14:creationId xmlns:p14="http://schemas.microsoft.com/office/powerpoint/2010/main" val="1097545422"/>
-      </p:ext>
-    </p:extLst>
-  </p:cSld>
-  <p:clrMapOvr>
-    <a:masterClrMapping/>
-  </p:clrMapOvr>
-  <p:timing>
-    <p:tnLst>
-      <p:par>
-        <p:cTn id="1" dur="indefinite" restart="never" nodeType="tmRoot">
-          <p:childTnLst>
-            <p:seq concurrent="1" nextAc="seek">
-              <p:cTn id="2" dur="indefinite" nodeType="mainSeq">
-                <p:childTnLst>
-                  <p:par>
-                    <p:cTn id="3" fill="hold">
-                      <p:stCondLst>
-                        <p:cond delay="indefinite"/>
-                      </p:stCondLst>
-                      <p:childTnLst>
-                        <p:par>
-                          <p:cTn id="4" fill="hold">
-                            <p:stCondLst>
-                              <p:cond delay="0"/>
-                            </p:stCondLst>
-                            <p:childTnLst>
-                              <p:par>
-                                <p:cTn id="5" presetID="1" presetClass="entr" presetSubtype="0" fill="hold" nodeType="clickEffect">
-                                  <p:stCondLst>
-                                    <p:cond delay="0"/>
-                                  </p:stCondLst>
-                                  <p:childTnLst>
-                                    <p:set>
-                                      <p:cBhvr>
-                                        <p:cTn id="6" dur="1" fill="hold">
-                                          <p:stCondLst>
-                                            <p:cond delay="0"/>
-                                          </p:stCondLst>
-                                        </p:cTn>
-                                        <p:tgtEl>
-                                          <p:spTgt spid="3">
-                                            <p:txEl>
-                                              <p:pRg st="0" end="0"/>
-                                            </p:txEl>
-                                          </p:spTgt>
-                                        </p:tgtEl>
-                                        <p:attrNameLst>
-                                          <p:attrName>style.visibility</p:attrName>
-                                        </p:attrNameLst>
-                                      </p:cBhvr>
-                                      <p:to>
-                                        <p:strVal val="visible"/>
-                                      </p:to>
-                                    </p:set>
-                                  </p:childTnLst>
-                                </p:cTn>
-                              </p:par>
-                            </p:childTnLst>
-                          </p:cTn>
-                        </p:par>
-                      </p:childTnLst>
-                    </p:cTn>
-                  </p:par>
-                  <p:par>
-                    <p:cTn id="7" fill="hold">
-                      <p:stCondLst>
-                        <p:cond delay="indefinite"/>
-                      </p:stCondLst>
-                      <p:childTnLst>
-                        <p:par>
-                          <p:cTn id="8" fill="hold">
-                            <p:stCondLst>
-                              <p:cond delay="0"/>
-                            </p:stCondLst>
-                            <p:childTnLst>
-                              <p:par>
-                                <p:cTn id="9" presetID="1" presetClass="entr" presetSubtype="0" fill="hold" nodeType="clickEffect">
-                                  <p:stCondLst>
-                                    <p:cond delay="0"/>
-                                  </p:stCondLst>
-                                  <p:childTnLst>
-                                    <p:set>
-                                      <p:cBhvr>
-                                        <p:cTn id="10" dur="1" fill="hold">
-                                          <p:stCondLst>
-                                            <p:cond delay="0"/>
-                                          </p:stCondLst>
-                                        </p:cTn>
-                                        <p:tgtEl>
-                                          <p:spTgt spid="3">
-                                            <p:txEl>
-                                              <p:pRg st="1" end="1"/>
-                                            </p:txEl>
-                                          </p:spTgt>
-                                        </p:tgtEl>
-                                        <p:attrNameLst>
-                                          <p:attrName>style.visibility</p:attrName>
-                                        </p:attrNameLst>
-                                      </p:cBhvr>
-                                      <p:to>
-                                        <p:strVal val="visible"/>
-                                      </p:to>
-                                    </p:set>
-                                  </p:childTnLst>
-                                </p:cTn>
-                              </p:par>
-                            </p:childTnLst>
-                          </p:cTn>
-                        </p:par>
-                      </p:childTnLst>
-                    </p:cTn>
-                  </p:par>
-                  <p:par>
-                    <p:cTn id="11" fill="hold">
-                      <p:stCondLst>
-                        <p:cond delay="indefinite"/>
-                      </p:stCondLst>
-                      <p:childTnLst>
-                        <p:par>
-                          <p:cTn id="12" fill="hold">
-                            <p:stCondLst>
-                              <p:cond delay="0"/>
-                            </p:stCondLst>
-                            <p:childTnLst>
-                              <p:par>
-                                <p:cTn id="13" presetID="1" presetClass="entr" presetSubtype="0" fill="hold" nodeType="clickEffect">
-                                  <p:stCondLst>
-                                    <p:cond delay="0"/>
-                                  </p:stCondLst>
-                                  <p:childTnLst>
-                                    <p:set>
-                                      <p:cBhvr>
-                                        <p:cTn id="14" dur="1" fill="hold">
-                                          <p:stCondLst>
-                                            <p:cond delay="0"/>
-                                          </p:stCondLst>
-                                        </p:cTn>
-                                        <p:tgtEl>
-                                          <p:spTgt spid="3">
-                                            <p:txEl>
-                                              <p:pRg st="2" end="2"/>
-                                            </p:txEl>
-                                          </p:spTgt>
-                                        </p:tgtEl>
-                                        <p:attrNameLst>
-                                          <p:attrName>style.visibility</p:attrName>
-                                        </p:attrNameLst>
-                                      </p:cBhvr>
-                                      <p:to>
-                                        <p:strVal val="visible"/>
-                                      </p:to>
-                                    </p:set>
-                                  </p:childTnLst>
-                                </p:cTn>
-                              </p:par>
-                            </p:childTnLst>
-                          </p:cTn>
-                        </p:par>
-                      </p:childTnLst>
-                    </p:cTn>
-                  </p:par>
-                  <p:par>
-                    <p:cTn id="15" fill="hold">
-                      <p:stCondLst>
-                        <p:cond delay="indefinite"/>
-                      </p:stCondLst>
-                      <p:childTnLst>
-                        <p:par>
-                          <p:cTn id="16" fill="hold">
-                            <p:stCondLst>
-                              <p:cond delay="0"/>
-                            </p:stCondLst>
-                            <p:childTnLst>
-                              <p:par>
-                                <p:cTn id="17" presetID="1" presetClass="entr" presetSubtype="0" fill="hold" nodeType="clickEffect">
-                                  <p:stCondLst>
-                                    <p:cond delay="0"/>
-                                  </p:stCondLst>
-                                  <p:childTnLst>
-                                    <p:set>
-                                      <p:cBhvr>
-                                        <p:cTn id="18" dur="1" fill="hold">
-                                          <p:stCondLst>
-                                            <p:cond delay="0"/>
-                                          </p:stCondLst>
-                                        </p:cTn>
-                                        <p:tgtEl>
-                                          <p:spTgt spid="3">
-                                            <p:txEl>
-                                              <p:pRg st="3" end="3"/>
-                                            </p:txEl>
-                                          </p:spTgt>
-                                        </p:tgtEl>
-                                        <p:attrNameLst>
-                                          <p:attrName>style.visibility</p:attrName>
-                                        </p:attrNameLst>
-                                      </p:cBhvr>
-                                      <p:to>
-                                        <p:strVal val="visible"/>
-                                      </p:to>
-                                    </p:set>
-                                  </p:childTnLst>
-                                </p:cTn>
-                              </p:par>
-                            </p:childTnLst>
-                          </p:cTn>
-                        </p:par>
-                      </p:childTnLst>
-                    </p:cTn>
-                  </p:par>
-                  <p:par>
-                    <p:cTn id="19" fill="hold">
-                      <p:stCondLst>
-                        <p:cond delay="indefinite"/>
-                      </p:stCondLst>
-                      <p:childTnLst>
-                        <p:par>
-                          <p:cTn id="20" fill="hold">
-                            <p:stCondLst>
-                              <p:cond delay="0"/>
-                            </p:stCondLst>
-                            <p:childTnLst>
-                              <p:par>
-                                <p:cTn id="21" presetID="1" presetClass="entr" presetSubtype="0" fill="hold" nodeType="clickEffect">
-                                  <p:stCondLst>
-                                    <p:cond delay="0"/>
-                                  </p:stCondLst>
-                                  <p:childTnLst>
-                                    <p:set>
-                                      <p:cBhvr>
-                                        <p:cTn id="22" dur="1" fill="hold">
-                                          <p:stCondLst>
-                                            <p:cond delay="0"/>
-                                          </p:stCondLst>
-                                        </p:cTn>
-                                        <p:tgtEl>
-                                          <p:spTgt spid="3">
-                                            <p:txEl>
-                                              <p:pRg st="4" end="4"/>
-                                            </p:txEl>
-                                          </p:spTgt>
-                                        </p:tgtEl>
-                                        <p:attrNameLst>
-                                          <p:attrName>style.visibility</p:attrName>
-                                        </p:attrNameLst>
-                                      </p:cBhvr>
-                                      <p:to>
-                                        <p:strVal val="visible"/>
-                                      </p:to>
-                                    </p:set>
-                                  </p:childTnLst>
-                                </p:cTn>
-                              </p:par>
-                            </p:childTnLst>
-                          </p:cTn>
-                        </p:par>
-                      </p:childTnLst>
-                    </p:cTn>
-                  </p:par>
-                  <p:par>
-                    <p:cTn id="23" fill="hold">
-                      <p:stCondLst>
-                        <p:cond delay="indefinite"/>
-                      </p:stCondLst>
-                      <p:childTnLst>
-                        <p:par>
-                          <p:cTn id="24" fill="hold">
-                            <p:stCondLst>
-                              <p:cond delay="0"/>
-                            </p:stCondLst>
-                            <p:childTnLst>
-                              <p:par>
-                                <p:cTn id="25" presetID="1" presetClass="entr" presetSubtype="0" fill="hold" nodeType="clickEffect">
-                                  <p:stCondLst>
-                                    <p:cond delay="0"/>
-                                  </p:stCondLst>
-                                  <p:childTnLst>
-                                    <p:set>
-                                      <p:cBhvr>
-                                        <p:cTn id="26" dur="1" fill="hold">
-                                          <p:stCondLst>
-                                            <p:cond delay="0"/>
-                                          </p:stCondLst>
-                                        </p:cTn>
-                                        <p:tgtEl>
-                                          <p:spTgt spid="3">
-                                            <p:txEl>
-                                              <p:pRg st="5" end="5"/>
-                                            </p:txEl>
-                                          </p:spTgt>
-                                        </p:tgtEl>
-                                        <p:attrNameLst>
-                                          <p:attrName>style.visibility</p:attrName>
-                                        </p:attrNameLst>
-                                      </p:cBhvr>
-                                      <p:to>
-                                        <p:strVal val="visible"/>
-                                      </p:to>
-                                    </p:set>
-                                  </p:childTnLst>
-                                </p:cTn>
-                              </p:par>
-                            </p:childTnLst>
-                          </p:cTn>
-                        </p:par>
-                      </p:childTnLst>
-                    </p:cTn>
-                  </p:par>
-                  <p:par>
-                    <p:cTn id="27" fill="hold">
-                      <p:stCondLst>
-                        <p:cond delay="indefinite"/>
-                      </p:stCondLst>
-                      <p:childTnLst>
-                        <p:par>
-                          <p:cTn id="28" fill="hold">
-                            <p:stCondLst>
-                              <p:cond delay="0"/>
-                            </p:stCondLst>
-                            <p:childTnLst>
-                              <p:par>
-                                <p:cTn id="29" presetID="1" presetClass="entr" presetSubtype="0" fill="hold" nodeType="clickEffect">
-                                  <p:stCondLst>
-                                    <p:cond delay="0"/>
-                                  </p:stCondLst>
-                                  <p:childTnLst>
-                                    <p:set>
-                                      <p:cBhvr>
-                                        <p:cTn id="30" dur="1" fill="hold">
-                                          <p:stCondLst>
-                                            <p:cond delay="0"/>
-                                          </p:stCondLst>
-                                        </p:cTn>
-                                        <p:tgtEl>
-                                          <p:spTgt spid="3">
-                                            <p:txEl>
-                                              <p:pRg st="6" end="6"/>
-                                            </p:txEl>
-                                          </p:spTgt>
-                                        </p:tgtEl>
-                                        <p:attrNameLst>
-                                          <p:attrName>style.visibility</p:attrName>
-                                        </p:attrNameLst>
-                                      </p:cBhvr>
-                                      <p:to>
-                                        <p:strVal val="visible"/>
-                                      </p:to>
-                                    </p:set>
-                                  </p:childTnLst>
-                                </p:cTn>
-                              </p:par>
-                            </p:childTnLst>
-                          </p:cTn>
-                        </p:par>
-                      </p:childTnLst>
-                    </p:cTn>
-                  </p:par>
-                </p:childTnLst>
-              </p:cTn>
-              <p:prevCondLst>
-                <p:cond evt="onPrev" delay="0">
-                  <p:tgtEl>
-                    <p:sldTgt/>
-                  </p:tgtEl>
-                </p:cond>
-              </p:prevCondLst>
-              <p:nextCondLst>
-                <p:cond evt="onNext" delay="0">
-                  <p:tgtEl>
-                    <p:sldTgt/>
-                  </p:tgtEl>
-                </p:cond>
-              </p:nextCondLst>
-            </p:seq>
-          </p:childTnLst>
-        </p:cTn>
-      </p:par>
-    </p:tnLst>
-  </p:timing>
-</p:sld>
-</file>
-
-<file path=ppt/slides/slide11.xml><?xml version="1.0" encoding="utf-8"?>
-<p:sld xmlns:a="http://schemas.openxmlformats.org/drawingml/2006/main" xmlns:r="http://schemas.openxmlformats.org/officeDocument/2006/relationships" xmlns:p="http://schemas.openxmlformats.org/presentationml/2006/main">
-  <p:cSld>
-    <p:spTree>
-      <p:nvGrpSpPr>
-        <p:cNvPr id="1" name=""/>
-        <p:cNvGrpSpPr/>
-        <p:nvPr/>
-      </p:nvGrpSpPr>
-      <p:grpSpPr>
-        <a:xfrm>
-          <a:off x="0" y="0"/>
-          <a:ext cx="0" cy="0"/>
-          <a:chOff x="0" y="0"/>
-          <a:chExt cx="0" cy="0"/>
-        </a:xfrm>
-      </p:grpSpPr>
-      <p:sp>
-        <p:nvSpPr>
-          <p:cNvPr id="2" name="Title 1">
-            <a:extLst>
-              <a:ext uri="{FF2B5EF4-FFF2-40B4-BE49-F238E27FC236}">
-                <a16:creationId xmlns:a16="http://schemas.microsoft.com/office/drawing/2014/main" id="{B7B07F58-FADF-3141-4BF4-61717A3549A8}"/>
-              </a:ext>
-            </a:extLst>
-          </p:cNvPr>
-          <p:cNvSpPr>
-            <a:spLocks noGrp="1"/>
-          </p:cNvSpPr>
-          <p:nvPr>
-            <p:ph type="title"/>
-          </p:nvPr>
-        </p:nvSpPr>
-        <p:spPr/>
-        <p:txBody>
-          <a:bodyPr/>
-          <a:lstStyle/>
-          <a:p>
-            <a:r>
-              <a:rPr lang="en-US" dirty="0"/>
-              <a:t>If there is time left: some foundations</a:t>
-            </a:r>
-            <a:endParaRPr lang="en-DE" dirty="0"/>
-          </a:p>
-        </p:txBody>
-      </p:sp>
-      <p:sp>
-        <p:nvSpPr>
-          <p:cNvPr id="3" name="Content Placeholder 2">
-            <a:extLst>
-              <a:ext uri="{FF2B5EF4-FFF2-40B4-BE49-F238E27FC236}">
-                <a16:creationId xmlns:a16="http://schemas.microsoft.com/office/drawing/2014/main" id="{88B9704B-3C2D-2983-ED47-B84CB539A2BC}"/>
-              </a:ext>
-            </a:extLst>
-          </p:cNvPr>
-          <p:cNvSpPr>
-            <a:spLocks noGrp="1"/>
-          </p:cNvSpPr>
-          <p:nvPr>
-            <p:ph idx="1"/>
-          </p:nvPr>
-        </p:nvSpPr>
-        <p:spPr/>
-        <p:txBody>
-          <a:bodyPr>
-            <a:normAutofit lnSpcReduction="10000"/>
-          </a:bodyPr>
-          <a:lstStyle/>
-          <a:p>
-            <a:r>
-              <a:rPr lang="en-US" dirty="0"/>
-              <a:t>What is a set?</a:t>
-            </a:r>
-          </a:p>
-          <a:p>
-            <a:pPr lvl="1"/>
-            <a:r>
-              <a:rPr lang="en-US" dirty="0"/>
-              <a:t>Abstract collection of disjoint (non-repeated) objects</a:t>
-            </a:r>
-          </a:p>
-          <a:p>
-            <a:r>
-              <a:rPr lang="en-US" dirty="0"/>
-              <a:t>How can we define a set?</a:t>
-            </a:r>
-          </a:p>
-          <a:p>
-            <a:pPr lvl="1"/>
-            <a:r>
-              <a:rPr lang="en-US" dirty="0"/>
-              <a:t>Listing the elements of the set (but careful: sets are not ordered!)</a:t>
-            </a:r>
-          </a:p>
-          <a:p>
-            <a:pPr lvl="2"/>
-            <a:r>
-              <a:rPr lang="en-US" dirty="0"/>
-              <a:t>List notation: {table, chair}</a:t>
-            </a:r>
-          </a:p>
-          <a:p>
-            <a:pPr lvl="1"/>
-            <a:r>
-              <a:rPr lang="en-US" dirty="0"/>
-              <a:t>Stating a property which all and only the objects in the set have</a:t>
-            </a:r>
-          </a:p>
-          <a:p>
-            <a:pPr lvl="2"/>
-            <a:r>
-              <a:rPr lang="en-US" dirty="0"/>
-              <a:t>Intentional notation: {x | x is an integer greater than 3}</a:t>
-            </a:r>
-          </a:p>
-          <a:p>
-            <a:pPr lvl="1"/>
-            <a:r>
-              <a:rPr lang="en-US" dirty="0"/>
-              <a:t>Defining rules that generate the elements of the set</a:t>
-            </a:r>
-          </a:p>
-          <a:p>
-            <a:pPr lvl="2"/>
-            <a:r>
-              <a:rPr lang="en-US" dirty="0"/>
-              <a:t>Recursive definition you have seen in the python lab!</a:t>
-            </a:r>
-          </a:p>
-          <a:p>
-            <a:r>
-              <a:rPr lang="en-US" dirty="0"/>
-              <a:t>Two sets are the same </a:t>
-            </a:r>
-            <a:r>
-              <a:rPr lang="en-US" dirty="0" err="1"/>
-              <a:t>iff</a:t>
-            </a:r>
-            <a:r>
-              <a:rPr lang="en-US" dirty="0"/>
-              <a:t> they contain the same members</a:t>
-            </a:r>
-          </a:p>
-          <a:p>
-            <a:r>
-              <a:rPr lang="en-US" dirty="0"/>
-              <a:t>Member, subset, superset, intersection, union, power set</a:t>
-            </a:r>
-          </a:p>
-        </p:txBody>
-      </p:sp>
-    </p:spTree>
-    <p:extLst>
-      <p:ext uri="{BB962C8B-B14F-4D97-AF65-F5344CB8AC3E}">
-        <p14:creationId xmlns:p14="http://schemas.microsoft.com/office/powerpoint/2010/main" val="209135651"/>
-      </p:ext>
-    </p:extLst>
-  </p:cSld>
-  <p:clrMapOvr>
-    <a:masterClrMapping/>
-  </p:clrMapOvr>
-  <p:timing>
-    <p:tnLst>
-      <p:par>
-        <p:cTn id="1" dur="indefinite" restart="never" nodeType="tmRoot">
-          <p:childTnLst>
-            <p:seq concurrent="1" nextAc="seek">
-              <p:cTn id="2" dur="indefinite" nodeType="mainSeq">
-                <p:childTnLst>
-                  <p:par>
-                    <p:cTn id="3" fill="hold">
-                      <p:stCondLst>
-                        <p:cond delay="indefinite"/>
-                      </p:stCondLst>
-                      <p:childTnLst>
-                        <p:par>
-                          <p:cTn id="4" fill="hold">
-                            <p:stCondLst>
-                              <p:cond delay="0"/>
-                            </p:stCondLst>
-                            <p:childTnLst>
-                              <p:par>
-                                <p:cTn id="5" presetID="1" presetClass="entr" presetSubtype="0" fill="hold" nodeType="clickEffect">
-                                  <p:stCondLst>
-                                    <p:cond delay="0"/>
-                                  </p:stCondLst>
-                                  <p:childTnLst>
-                                    <p:set>
-                                      <p:cBhvr>
-                                        <p:cTn id="6" dur="1" fill="hold">
-                                          <p:stCondLst>
-                                            <p:cond delay="0"/>
-                                          </p:stCondLst>
-                                        </p:cTn>
-                                        <p:tgtEl>
-                                          <p:spTgt spid="3">
-                                            <p:txEl>
-                                              <p:pRg st="0" end="0"/>
-                                            </p:txEl>
-                                          </p:spTgt>
-                                        </p:tgtEl>
-                                        <p:attrNameLst>
-                                          <p:attrName>style.visibility</p:attrName>
-                                        </p:attrNameLst>
-                                      </p:cBhvr>
-                                      <p:to>
-                                        <p:strVal val="visible"/>
-                                      </p:to>
-                                    </p:set>
-                                  </p:childTnLst>
-                                </p:cTn>
-                              </p:par>
-                            </p:childTnLst>
-                          </p:cTn>
-                        </p:par>
-                      </p:childTnLst>
-                    </p:cTn>
-                  </p:par>
-                  <p:par>
-                    <p:cTn id="7" fill="hold">
-                      <p:stCondLst>
-                        <p:cond delay="indefinite"/>
-                      </p:stCondLst>
-                      <p:childTnLst>
-                        <p:par>
-                          <p:cTn id="8" fill="hold">
-                            <p:stCondLst>
-                              <p:cond delay="0"/>
-                            </p:stCondLst>
-                            <p:childTnLst>
-                              <p:par>
-                                <p:cTn id="9" presetID="1" presetClass="entr" presetSubtype="0" fill="hold" nodeType="clickEffect">
-                                  <p:stCondLst>
-                                    <p:cond delay="0"/>
-                                  </p:stCondLst>
-                                  <p:childTnLst>
-                                    <p:set>
-                                      <p:cBhvr>
-                                        <p:cTn id="10" dur="1" fill="hold">
-                                          <p:stCondLst>
-                                            <p:cond delay="0"/>
-                                          </p:stCondLst>
-                                        </p:cTn>
-                                        <p:tgtEl>
-                                          <p:spTgt spid="3">
-                                            <p:txEl>
-                                              <p:pRg st="1" end="1"/>
-                                            </p:txEl>
-                                          </p:spTgt>
-                                        </p:tgtEl>
-                                        <p:attrNameLst>
-                                          <p:attrName>style.visibility</p:attrName>
-                                        </p:attrNameLst>
-                                      </p:cBhvr>
-                                      <p:to>
-                                        <p:strVal val="visible"/>
-                                      </p:to>
-                                    </p:set>
-                                  </p:childTnLst>
-                                </p:cTn>
-                              </p:par>
-                            </p:childTnLst>
-                          </p:cTn>
-                        </p:par>
-                      </p:childTnLst>
-                    </p:cTn>
-                  </p:par>
-                  <p:par>
-                    <p:cTn id="11" fill="hold">
-                      <p:stCondLst>
-                        <p:cond delay="indefinite"/>
-                      </p:stCondLst>
-                      <p:childTnLst>
-                        <p:par>
-                          <p:cTn id="12" fill="hold">
-                            <p:stCondLst>
-                              <p:cond delay="0"/>
-                            </p:stCondLst>
-                            <p:childTnLst>
-                              <p:par>
-                                <p:cTn id="13" presetID="1" presetClass="entr" presetSubtype="0" fill="hold" nodeType="clickEffect">
-                                  <p:stCondLst>
-                                    <p:cond delay="0"/>
-                                  </p:stCondLst>
-                                  <p:childTnLst>
-                                    <p:set>
-                                      <p:cBhvr>
-                                        <p:cTn id="14" dur="1" fill="hold">
-                                          <p:stCondLst>
-                                            <p:cond delay="0"/>
-                                          </p:stCondLst>
-                                        </p:cTn>
-                                        <p:tgtEl>
-                                          <p:spTgt spid="3">
-                                            <p:txEl>
-                                              <p:pRg st="2" end="2"/>
-                                            </p:txEl>
-                                          </p:spTgt>
-                                        </p:tgtEl>
-                                        <p:attrNameLst>
-                                          <p:attrName>style.visibility</p:attrName>
-                                        </p:attrNameLst>
-                                      </p:cBhvr>
-                                      <p:to>
-                                        <p:strVal val="visible"/>
-                                      </p:to>
-                                    </p:set>
-                                  </p:childTnLst>
-                                </p:cTn>
-                              </p:par>
-                            </p:childTnLst>
-                          </p:cTn>
-                        </p:par>
-                      </p:childTnLst>
-                    </p:cTn>
-                  </p:par>
-                  <p:par>
-                    <p:cTn id="15" fill="hold">
-                      <p:stCondLst>
-                        <p:cond delay="indefinite"/>
-                      </p:stCondLst>
-                      <p:childTnLst>
-                        <p:par>
-                          <p:cTn id="16" fill="hold">
-                            <p:stCondLst>
-                              <p:cond delay="0"/>
-                            </p:stCondLst>
-                            <p:childTnLst>
-                              <p:par>
-                                <p:cTn id="17" presetID="1" presetClass="entr" presetSubtype="0" fill="hold" nodeType="clickEffect">
-                                  <p:stCondLst>
-                                    <p:cond delay="0"/>
-                                  </p:stCondLst>
-                                  <p:childTnLst>
-                                    <p:set>
-                                      <p:cBhvr>
-                                        <p:cTn id="18" dur="1" fill="hold">
-                                          <p:stCondLst>
-                                            <p:cond delay="0"/>
-                                          </p:stCondLst>
-                                        </p:cTn>
-                                        <p:tgtEl>
-                                          <p:spTgt spid="3">
-                                            <p:txEl>
-                                              <p:pRg st="3" end="3"/>
-                                            </p:txEl>
-                                          </p:spTgt>
-                                        </p:tgtEl>
-                                        <p:attrNameLst>
-                                          <p:attrName>style.visibility</p:attrName>
-                                        </p:attrNameLst>
-                                      </p:cBhvr>
-                                      <p:to>
-                                        <p:strVal val="visible"/>
-                                      </p:to>
-                                    </p:set>
-                                  </p:childTnLst>
-                                </p:cTn>
-                              </p:par>
-                            </p:childTnLst>
-                          </p:cTn>
-                        </p:par>
-                      </p:childTnLst>
-                    </p:cTn>
-                  </p:par>
-                  <p:par>
-                    <p:cTn id="19" fill="hold">
-                      <p:stCondLst>
-                        <p:cond delay="indefinite"/>
-                      </p:stCondLst>
-                      <p:childTnLst>
-                        <p:par>
-                          <p:cTn id="20" fill="hold">
-                            <p:stCondLst>
-                              <p:cond delay="0"/>
-                            </p:stCondLst>
-                            <p:childTnLst>
-                              <p:par>
-                                <p:cTn id="21" presetID="1" presetClass="entr" presetSubtype="0" fill="hold" nodeType="clickEffect">
-                                  <p:stCondLst>
-                                    <p:cond delay="0"/>
-                                  </p:stCondLst>
-                                  <p:childTnLst>
-                                    <p:set>
-                                      <p:cBhvr>
-                                        <p:cTn id="22" dur="1" fill="hold">
-                                          <p:stCondLst>
-                                            <p:cond delay="0"/>
-                                          </p:stCondLst>
-                                        </p:cTn>
-                                        <p:tgtEl>
-                                          <p:spTgt spid="3">
-                                            <p:txEl>
-                                              <p:pRg st="4" end="4"/>
-                                            </p:txEl>
-                                          </p:spTgt>
-                                        </p:tgtEl>
-                                        <p:attrNameLst>
-                                          <p:attrName>style.visibility</p:attrName>
-                                        </p:attrNameLst>
-                                      </p:cBhvr>
-                                      <p:to>
-                                        <p:strVal val="visible"/>
-                                      </p:to>
-                                    </p:set>
-                                  </p:childTnLst>
-                                </p:cTn>
-                              </p:par>
-                            </p:childTnLst>
-                          </p:cTn>
-                        </p:par>
-                      </p:childTnLst>
-                    </p:cTn>
-                  </p:par>
-                  <p:par>
-                    <p:cTn id="23" fill="hold">
-                      <p:stCondLst>
-                        <p:cond delay="indefinite"/>
-                      </p:stCondLst>
-                      <p:childTnLst>
-                        <p:par>
-                          <p:cTn id="24" fill="hold">
-                            <p:stCondLst>
-                              <p:cond delay="0"/>
-                            </p:stCondLst>
-                            <p:childTnLst>
-                              <p:par>
-                                <p:cTn id="25" presetID="1" presetClass="entr" presetSubtype="0" fill="hold" nodeType="clickEffect">
-                                  <p:stCondLst>
-                                    <p:cond delay="0"/>
-                                  </p:stCondLst>
-                                  <p:childTnLst>
-                                    <p:set>
-                                      <p:cBhvr>
-                                        <p:cTn id="26" dur="1" fill="hold">
-                                          <p:stCondLst>
-                                            <p:cond delay="0"/>
-                                          </p:stCondLst>
-                                        </p:cTn>
-                                        <p:tgtEl>
-                                          <p:spTgt spid="3">
-                                            <p:txEl>
-                                              <p:pRg st="5" end="5"/>
-                                            </p:txEl>
-                                          </p:spTgt>
-                                        </p:tgtEl>
-                                        <p:attrNameLst>
-                                          <p:attrName>style.visibility</p:attrName>
-                                        </p:attrNameLst>
-                                      </p:cBhvr>
-                                      <p:to>
-                                        <p:strVal val="visible"/>
-                                      </p:to>
-                                    </p:set>
-                                  </p:childTnLst>
-                                </p:cTn>
-                              </p:par>
-                            </p:childTnLst>
-                          </p:cTn>
-                        </p:par>
-                      </p:childTnLst>
-                    </p:cTn>
-                  </p:par>
-                  <p:par>
-                    <p:cTn id="27" fill="hold">
-                      <p:stCondLst>
-                        <p:cond delay="indefinite"/>
-                      </p:stCondLst>
-                      <p:childTnLst>
-                        <p:par>
-                          <p:cTn id="28" fill="hold">
-                            <p:stCondLst>
-                              <p:cond delay="0"/>
-                            </p:stCondLst>
-                            <p:childTnLst>
-                              <p:par>
-                                <p:cTn id="29" presetID="1" presetClass="entr" presetSubtype="0" fill="hold" nodeType="clickEffect">
-                                  <p:stCondLst>
-                                    <p:cond delay="0"/>
-                                  </p:stCondLst>
-                                  <p:childTnLst>
-                                    <p:set>
-                                      <p:cBhvr>
-                                        <p:cTn id="30" dur="1" fill="hold">
-                                          <p:stCondLst>
-                                            <p:cond delay="0"/>
-                                          </p:stCondLst>
-                                        </p:cTn>
-                                        <p:tgtEl>
-                                          <p:spTgt spid="3">
-                                            <p:txEl>
-                                              <p:pRg st="6" end="6"/>
-                                            </p:txEl>
-                                          </p:spTgt>
-                                        </p:tgtEl>
-                                        <p:attrNameLst>
-                                          <p:attrName>style.visibility</p:attrName>
-                                        </p:attrNameLst>
-                                      </p:cBhvr>
-                                      <p:to>
-                                        <p:strVal val="visible"/>
-                                      </p:to>
-                                    </p:set>
-                                  </p:childTnLst>
-                                </p:cTn>
-                              </p:par>
-                            </p:childTnLst>
-                          </p:cTn>
-                        </p:par>
-                      </p:childTnLst>
-                    </p:cTn>
-                  </p:par>
-                  <p:par>
-                    <p:cTn id="31" fill="hold">
-                      <p:stCondLst>
-                        <p:cond delay="indefinite"/>
-                      </p:stCondLst>
-                      <p:childTnLst>
-                        <p:par>
-                          <p:cTn id="32" fill="hold">
-                            <p:stCondLst>
-                              <p:cond delay="0"/>
-                            </p:stCondLst>
-                            <p:childTnLst>
-                              <p:par>
-                                <p:cTn id="33" presetID="1" presetClass="entr" presetSubtype="0" fill="hold" nodeType="clickEffect">
-                                  <p:stCondLst>
-                                    <p:cond delay="0"/>
-                                  </p:stCondLst>
-                                  <p:childTnLst>
-                                    <p:set>
-                                      <p:cBhvr>
-                                        <p:cTn id="34" dur="1" fill="hold">
-                                          <p:stCondLst>
-                                            <p:cond delay="0"/>
-                                          </p:stCondLst>
-                                        </p:cTn>
-                                        <p:tgtEl>
-                                          <p:spTgt spid="3">
-                                            <p:txEl>
-                                              <p:pRg st="7" end="7"/>
-                                            </p:txEl>
-                                          </p:spTgt>
-                                        </p:tgtEl>
-                                        <p:attrNameLst>
-                                          <p:attrName>style.visibility</p:attrName>
-                                        </p:attrNameLst>
-                                      </p:cBhvr>
-                                      <p:to>
-                                        <p:strVal val="visible"/>
-                                      </p:to>
-                                    </p:set>
-                                  </p:childTnLst>
-                                </p:cTn>
-                              </p:par>
-                            </p:childTnLst>
-                          </p:cTn>
-                        </p:par>
-                      </p:childTnLst>
-                    </p:cTn>
-                  </p:par>
-                  <p:par>
-                    <p:cTn id="35" fill="hold">
-                      <p:stCondLst>
-                        <p:cond delay="indefinite"/>
-                      </p:stCondLst>
-                      <p:childTnLst>
-                        <p:par>
-                          <p:cTn id="36" fill="hold">
-                            <p:stCondLst>
-                              <p:cond delay="0"/>
-                            </p:stCondLst>
-                            <p:childTnLst>
-                              <p:par>
-                                <p:cTn id="37" presetID="1" presetClass="entr" presetSubtype="0" fill="hold" nodeType="clickEffect">
-                                  <p:stCondLst>
-                                    <p:cond delay="0"/>
-                                  </p:stCondLst>
-                                  <p:childTnLst>
-                                    <p:set>
-                                      <p:cBhvr>
-                                        <p:cTn id="38" dur="1" fill="hold">
-                                          <p:stCondLst>
-                                            <p:cond delay="0"/>
-                                          </p:stCondLst>
-                                        </p:cTn>
-                                        <p:tgtEl>
-                                          <p:spTgt spid="3">
-                                            <p:txEl>
-                                              <p:pRg st="8" end="8"/>
-                                            </p:txEl>
-                                          </p:spTgt>
-                                        </p:tgtEl>
-                                        <p:attrNameLst>
-                                          <p:attrName>style.visibility</p:attrName>
-                                        </p:attrNameLst>
-                                      </p:cBhvr>
-                                      <p:to>
-                                        <p:strVal val="visible"/>
-                                      </p:to>
-                                    </p:set>
-                                  </p:childTnLst>
-                                </p:cTn>
-                              </p:par>
-                            </p:childTnLst>
-                          </p:cTn>
-                        </p:par>
-                      </p:childTnLst>
-                    </p:cTn>
-                  </p:par>
-                  <p:par>
-                    <p:cTn id="39" fill="hold">
-                      <p:stCondLst>
-                        <p:cond delay="indefinite"/>
-                      </p:stCondLst>
-                      <p:childTnLst>
-                        <p:par>
-                          <p:cTn id="40" fill="hold">
-                            <p:stCondLst>
-                              <p:cond delay="0"/>
-                            </p:stCondLst>
-                            <p:childTnLst>
-                              <p:par>
-                                <p:cTn id="41" presetID="1" presetClass="entr" presetSubtype="0" fill="hold" nodeType="clickEffect">
-                                  <p:stCondLst>
-                                    <p:cond delay="0"/>
-                                  </p:stCondLst>
-                                  <p:childTnLst>
-                                    <p:set>
-                                      <p:cBhvr>
-                                        <p:cTn id="42" dur="1" fill="hold">
-                                          <p:stCondLst>
-                                            <p:cond delay="0"/>
-                                          </p:stCondLst>
-                                        </p:cTn>
-                                        <p:tgtEl>
-                                          <p:spTgt spid="3">
-                                            <p:txEl>
-                                              <p:pRg st="9" end="9"/>
-                                            </p:txEl>
-                                          </p:spTgt>
-                                        </p:tgtEl>
-                                        <p:attrNameLst>
-                                          <p:attrName>style.visibility</p:attrName>
-                                        </p:attrNameLst>
-                                      </p:cBhvr>
-                                      <p:to>
-                                        <p:strVal val="visible"/>
-                                      </p:to>
-                                    </p:set>
-                                  </p:childTnLst>
-                                </p:cTn>
-                              </p:par>
-                            </p:childTnLst>
-                          </p:cTn>
-                        </p:par>
-                      </p:childTnLst>
-                    </p:cTn>
-                  </p:par>
-                  <p:par>
-                    <p:cTn id="43" fill="hold">
-                      <p:stCondLst>
-                        <p:cond delay="indefinite"/>
-                      </p:stCondLst>
-                      <p:childTnLst>
-                        <p:par>
-                          <p:cTn id="44" fill="hold">
-                            <p:stCondLst>
-                              <p:cond delay="0"/>
-                            </p:stCondLst>
-                            <p:childTnLst>
-                              <p:par>
-                                <p:cTn id="45" presetID="1" presetClass="entr" presetSubtype="0" fill="hold" nodeType="clickEffect">
-                                  <p:stCondLst>
-                                    <p:cond delay="0"/>
-                                  </p:stCondLst>
-                                  <p:childTnLst>
-                                    <p:set>
-                                      <p:cBhvr>
-                                        <p:cTn id="46" dur="1" fill="hold">
-                                          <p:stCondLst>
-                                            <p:cond delay="0"/>
-                                          </p:stCondLst>
-                                        </p:cTn>
-                                        <p:tgtEl>
-                                          <p:spTgt spid="3">
-                                            <p:txEl>
-                                              <p:pRg st="10" end="10"/>
-                                            </p:txEl>
-                                          </p:spTgt>
-                                        </p:tgtEl>
-                                        <p:attrNameLst>
-                                          <p:attrName>style.visibility</p:attrName>
-                                        </p:attrNameLst>
-                                      </p:cBhvr>
-                                      <p:to>
-                                        <p:strVal val="visible"/>
-                                      </p:to>
-                                    </p:set>
-                                  </p:childTnLst>
-                                </p:cTn>
-                              </p:par>
-                            </p:childTnLst>
-                          </p:cTn>
-                        </p:par>
-                      </p:childTnLst>
-                    </p:cTn>
-                  </p:par>
-                </p:childTnLst>
-              </p:cTn>
-              <p:prevCondLst>
-                <p:cond evt="onPrev" delay="0">
-                  <p:tgtEl>
-                    <p:sldTgt/>
-                  </p:tgtEl>
-                </p:cond>
-              </p:prevCondLst>
-              <p:nextCondLst>
-                <p:cond evt="onNext" delay="0">
-                  <p:tgtEl>
-                    <p:sldTgt/>
-                  </p:tgtEl>
-                </p:cond>
-              </p:nextCondLst>
-            </p:seq>
-          </p:childTnLst>
-        </p:cTn>
-      </p:par>
-    </p:tnLst>
-  </p:timing>
-</p:sld>
-</file>
-
-<file path=ppt/slides/slide12.xml><?xml version="1.0" encoding="utf-8"?>
-<p:sld xmlns:a="http://schemas.openxmlformats.org/drawingml/2006/main" xmlns:r="http://schemas.openxmlformats.org/officeDocument/2006/relationships" xmlns:p="http://schemas.openxmlformats.org/presentationml/2006/main">
-  <p:cSld>
-    <p:spTree>
-      <p:nvGrpSpPr>
-        <p:cNvPr id="1" name=""/>
-        <p:cNvGrpSpPr/>
-        <p:nvPr/>
-      </p:nvGrpSpPr>
-      <p:grpSpPr>
-        <a:xfrm>
-          <a:off x="0" y="0"/>
-          <a:ext cx="0" cy="0"/>
-          <a:chOff x="0" y="0"/>
-          <a:chExt cx="0" cy="0"/>
-        </a:xfrm>
-      </p:grpSpPr>
-      <p:sp>
-        <p:nvSpPr>
-          <p:cNvPr id="2" name="Title 1">
-            <a:extLst>
-              <a:ext uri="{FF2B5EF4-FFF2-40B4-BE49-F238E27FC236}">
-                <a16:creationId xmlns:a16="http://schemas.microsoft.com/office/drawing/2014/main" id="{B7B07F58-FADF-3141-4BF4-61717A3549A8}"/>
-              </a:ext>
-            </a:extLst>
-          </p:cNvPr>
-          <p:cNvSpPr>
-            <a:spLocks noGrp="1"/>
-          </p:cNvSpPr>
-          <p:nvPr>
-            <p:ph type="title"/>
-          </p:nvPr>
-        </p:nvSpPr>
-        <p:spPr/>
-        <p:txBody>
-          <a:bodyPr/>
-          <a:lstStyle/>
-          <a:p>
-            <a:r>
-              <a:rPr lang="en-US" dirty="0"/>
-              <a:t>If there is time left: some foundations</a:t>
-            </a:r>
-            <a:endParaRPr lang="en-DE" dirty="0"/>
-          </a:p>
-        </p:txBody>
-      </p:sp>
-      <mc:AlternateContent xmlns:mc="http://schemas.openxmlformats.org/markup-compatibility/2006">
-        <mc:Choice xmlns:a14="http://schemas.microsoft.com/office/drawing/2010/main" Requires="a14">
-          <p:sp>
-            <p:nvSpPr>
-              <p:cNvPr id="3" name="Content Placeholder 2">
-                <a:extLst>
-                  <a:ext uri="{FF2B5EF4-FFF2-40B4-BE49-F238E27FC236}">
-                    <a16:creationId xmlns:a16="http://schemas.microsoft.com/office/drawing/2014/main" id="{88B9704B-3C2D-2983-ED47-B84CB539A2BC}"/>
-                  </a:ext>
-                </a:extLst>
-              </p:cNvPr>
-              <p:cNvSpPr>
-                <a:spLocks noGrp="1"/>
-              </p:cNvSpPr>
-              <p:nvPr>
-                <p:ph idx="1"/>
-              </p:nvPr>
-            </p:nvSpPr>
-            <p:spPr/>
-            <p:txBody>
-              <a:bodyPr>
-                <a:normAutofit/>
-              </a:bodyPr>
-              <a:lstStyle/>
-              <a:p>
-                <a:r>
-                  <a:rPr lang="en-US" dirty="0"/>
-                  <a:t>What is an ordered tuple?</a:t>
-                </a:r>
-              </a:p>
-              <a:p>
-                <a:pPr lvl="1"/>
-                <a:r>
-                  <a:rPr lang="en-US" dirty="0"/>
-                  <a:t>&lt;a, b&gt; = {{a}, {a, b}}</a:t>
-                </a:r>
-              </a:p>
-              <a:p>
-                <a:pPr lvl="1"/>
-                <a:r>
-                  <a:rPr lang="en-US" dirty="0"/>
-                  <a:t>&lt;a, b, c&gt; = &lt;&lt;a, b&gt;, c&gt;</a:t>
-                </a:r>
-              </a:p>
-              <a:p>
-                <a:r>
-                  <a:rPr lang="en-US" dirty="0"/>
-                  <a:t>Cartesian product </a:t>
-                </a:r>
-                <a14:m>
-                  <m:oMath xmlns:m="http://schemas.openxmlformats.org/officeDocument/2006/math">
-                    <m:r>
-                      <a:rPr lang="en-US" b="0" i="1" smtClean="0">
-                        <a:latin typeface="Cambria Math" panose="02040503050406030204" pitchFamily="18" charset="0"/>
-                      </a:rPr>
-                      <m:t>𝐴</m:t>
-                    </m:r>
-                    <m:r>
-                      <a:rPr lang="en-US" b="0" i="1" smtClean="0">
-                        <a:latin typeface="Cambria Math" panose="02040503050406030204" pitchFamily="18" charset="0"/>
-                        <a:ea typeface="Cambria Math" panose="02040503050406030204" pitchFamily="18" charset="0"/>
-                      </a:rPr>
-                      <m:t>×</m:t>
-                    </m:r>
-                    <m:r>
-                      <a:rPr lang="en-US" b="0" i="1" smtClean="0">
-                        <a:latin typeface="Cambria Math" panose="02040503050406030204" pitchFamily="18" charset="0"/>
-                        <a:ea typeface="Cambria Math" panose="02040503050406030204" pitchFamily="18" charset="0"/>
-                      </a:rPr>
-                      <m:t>𝐵</m:t>
-                    </m:r>
-                  </m:oMath>
-                </a14:m>
-                <a:r>
-                  <a:rPr lang="en-US" dirty="0"/>
-                  <a:t> of two sets A and B</a:t>
-                </a:r>
-              </a:p>
-              <a:p>
-                <a:pPr lvl="1"/>
-                <a14:m>
-                  <m:oMath xmlns:m="http://schemas.openxmlformats.org/officeDocument/2006/math">
-                    <m:d>
-                      <m:dPr>
-                        <m:begChr m:val="{"/>
-                        <m:endChr m:val="|"/>
-                        <m:ctrlPr>
-                          <a:rPr lang="en-US" i="1" dirty="0" smtClean="0">
-                            <a:latin typeface="Cambria Math" panose="02040503050406030204" pitchFamily="18" charset="0"/>
-                          </a:rPr>
-                        </m:ctrlPr>
-                      </m:dPr>
-                      <m:e>
-                        <m:r>
-                          <a:rPr lang="en-US" i="1" dirty="0" smtClean="0">
-                            <a:latin typeface="Cambria Math" panose="02040503050406030204" pitchFamily="18" charset="0"/>
-                          </a:rPr>
-                          <m:t>&lt;</m:t>
-                        </m:r>
-                        <m:r>
-                          <a:rPr lang="en-US" i="1" dirty="0" smtClean="0">
-                            <a:latin typeface="Cambria Math" panose="02040503050406030204" pitchFamily="18" charset="0"/>
-                          </a:rPr>
-                          <m:t>𝑎</m:t>
-                        </m:r>
-                        <m:r>
-                          <a:rPr lang="en-US" i="1" dirty="0" smtClean="0">
-                            <a:latin typeface="Cambria Math" panose="02040503050406030204" pitchFamily="18" charset="0"/>
-                          </a:rPr>
-                          <m:t>, </m:t>
-                        </m:r>
-                        <m:r>
-                          <a:rPr lang="en-US" b="0" i="1" dirty="0" smtClean="0">
-                            <a:latin typeface="Cambria Math" panose="02040503050406030204" pitchFamily="18" charset="0"/>
-                          </a:rPr>
-                          <m:t>𝑏</m:t>
-                        </m:r>
-                        <m:r>
-                          <a:rPr lang="en-US" i="1" dirty="0" smtClean="0">
-                            <a:latin typeface="Cambria Math" panose="02040503050406030204" pitchFamily="18" charset="0"/>
-                          </a:rPr>
-                          <m:t>&gt;</m:t>
-                        </m:r>
-                      </m:e>
-                    </m:d>
-                    <m:r>
-                      <a:rPr lang="en-US" b="0" i="1" dirty="0" smtClean="0">
-                        <a:latin typeface="Cambria Math" panose="02040503050406030204" pitchFamily="18" charset="0"/>
-                      </a:rPr>
-                      <m:t>𝑎</m:t>
-                    </m:r>
-                    <m:r>
-                      <a:rPr lang="en-US" b="0" i="1" dirty="0" smtClean="0">
-                        <a:latin typeface="Cambria Math" panose="02040503050406030204" pitchFamily="18" charset="0"/>
-                      </a:rPr>
-                      <m:t>∈</m:t>
-                    </m:r>
-                    <m:r>
-                      <a:rPr lang="en-US" b="0" i="1" dirty="0" smtClean="0">
-                        <a:latin typeface="Cambria Math" panose="02040503050406030204" pitchFamily="18" charset="0"/>
-                      </a:rPr>
-                      <m:t>𝐴</m:t>
-                    </m:r>
-                    <m:r>
-                      <a:rPr lang="en-US" b="0" i="1" dirty="0" smtClean="0">
-                        <a:latin typeface="Cambria Math" panose="02040503050406030204" pitchFamily="18" charset="0"/>
-                      </a:rPr>
-                      <m:t>, </m:t>
-                    </m:r>
-                    <m:r>
-                      <a:rPr lang="en-US" b="0" i="1" dirty="0" smtClean="0">
-                        <a:latin typeface="Cambria Math" panose="02040503050406030204" pitchFamily="18" charset="0"/>
-                      </a:rPr>
-                      <m:t>𝑏</m:t>
-                    </m:r>
-                    <m:r>
-                      <a:rPr lang="en-US" b="0" i="1" dirty="0" smtClean="0">
-                        <a:latin typeface="Cambria Math" panose="02040503050406030204" pitchFamily="18" charset="0"/>
-                      </a:rPr>
-                      <m:t>∈</m:t>
-                    </m:r>
-                    <m:r>
-                      <a:rPr lang="en-US" b="0" i="1" dirty="0" smtClean="0">
-                        <a:latin typeface="Cambria Math" panose="02040503050406030204" pitchFamily="18" charset="0"/>
-                      </a:rPr>
-                      <m:t>𝐵</m:t>
-                    </m:r>
-                    <m:r>
-                      <a:rPr lang="en-US" b="0" i="1" dirty="0" smtClean="0">
-                        <a:latin typeface="Cambria Math" panose="02040503050406030204" pitchFamily="18" charset="0"/>
-                      </a:rPr>
-                      <m:t>}</m:t>
-                    </m:r>
-                  </m:oMath>
-                </a14:m>
-                <a:endParaRPr lang="en-US" dirty="0"/>
-              </a:p>
-              <a:p>
-                <a:r>
-                  <a:rPr lang="en-US" dirty="0"/>
-                  <a:t>What is a relation?</a:t>
-                </a:r>
-              </a:p>
-              <a:p>
-                <a:pPr lvl="1"/>
-                <a:r>
-                  <a:rPr lang="en-US" dirty="0"/>
-                  <a:t>A </a:t>
-                </a:r>
-                <a:r>
-                  <a:rPr lang="en-US" i="1" dirty="0"/>
-                  <a:t>relation from set A to set B </a:t>
-                </a:r>
-                <a:r>
-                  <a:rPr lang="en-US" dirty="0"/>
-                  <a:t>is any subset of </a:t>
-                </a:r>
-                <a14:m>
-                  <m:oMath xmlns:m="http://schemas.openxmlformats.org/officeDocument/2006/math">
-                    <m:r>
-                      <a:rPr lang="en-US" b="0" i="1" smtClean="0">
-                        <a:latin typeface="Cambria Math" panose="02040503050406030204" pitchFamily="18" charset="0"/>
-                      </a:rPr>
-                      <m:t>𝐴</m:t>
-                    </m:r>
-                    <m:r>
-                      <a:rPr lang="en-US" b="0" i="1" smtClean="0">
-                        <a:latin typeface="Cambria Math" panose="02040503050406030204" pitchFamily="18" charset="0"/>
-                      </a:rPr>
-                      <m:t>×</m:t>
-                    </m:r>
-                    <m:r>
-                      <a:rPr lang="en-US" b="0" i="1" smtClean="0">
-                        <a:latin typeface="Cambria Math" panose="02040503050406030204" pitchFamily="18" charset="0"/>
-                        <a:ea typeface="Cambria Math" panose="02040503050406030204" pitchFamily="18" charset="0"/>
-                      </a:rPr>
-                      <m:t>𝐵</m:t>
-                    </m:r>
-                  </m:oMath>
-                </a14:m>
-                <a:endParaRPr lang="en-US" dirty="0"/>
-              </a:p>
-              <a:p>
-                <a:r>
-                  <a:rPr lang="en-US" dirty="0"/>
-                  <a:t>What is a function?</a:t>
-                </a:r>
-              </a:p>
-              <a:p>
-                <a:pPr lvl="1"/>
-                <a:r>
-                  <a:rPr lang="en-US" dirty="0"/>
-                  <a:t>A </a:t>
-                </a:r>
-                <a:r>
-                  <a:rPr lang="en-US" i="1" dirty="0"/>
-                  <a:t>function from A to B</a:t>
-                </a:r>
-                <a:r>
-                  <a:rPr lang="en-US" dirty="0"/>
-                  <a:t> is a relation </a:t>
-                </a:r>
-                <a:r>
-                  <a:rPr lang="en-US" i="1" dirty="0"/>
-                  <a:t>R</a:t>
-                </a:r>
-                <a:r>
-                  <a:rPr lang="en-US" dirty="0"/>
-                  <a:t> from </a:t>
-                </a:r>
-                <a:r>
-                  <a:rPr lang="en-US" i="1" dirty="0"/>
-                  <a:t>A</a:t>
-                </a:r>
-                <a:r>
-                  <a:rPr lang="en-US" dirty="0"/>
-                  <a:t> to </a:t>
-                </a:r>
-                <a:r>
-                  <a:rPr lang="en-US" i="1" dirty="0"/>
-                  <a:t>B</a:t>
-                </a:r>
-                <a:r>
-                  <a:rPr lang="en-US" dirty="0"/>
-                  <a:t> such that:</a:t>
-                </a:r>
-              </a:p>
-              <a:p>
-                <a:pPr lvl="1"/>
-                <a:r>
-                  <a:rPr lang="en-US" dirty="0"/>
-                  <a:t>Each element of </a:t>
-                </a:r>
-                <a:r>
-                  <a:rPr lang="en-US" i="1" dirty="0"/>
-                  <a:t>A</a:t>
-                </a:r>
-                <a:r>
-                  <a:rPr lang="en-US" dirty="0"/>
-                  <a:t> appears exactly once in the first elements of </a:t>
-                </a:r>
-                <a:r>
-                  <a:rPr lang="en-US" i="1" dirty="0"/>
-                  <a:t>R</a:t>
-                </a:r>
-                <a:r>
-                  <a:rPr lang="en-US" dirty="0"/>
-                  <a:t>.</a:t>
-                </a:r>
-              </a:p>
-            </p:txBody>
-          </p:sp>
-        </mc:Choice>
-        <mc:Fallback>
-          <p:sp>
-            <p:nvSpPr>
-              <p:cNvPr id="3" name="Content Placeholder 2">
-                <a:extLst>
-                  <a:ext uri="{FF2B5EF4-FFF2-40B4-BE49-F238E27FC236}">
-                    <a16:creationId xmlns:a16="http://schemas.microsoft.com/office/drawing/2014/main" id="{88B9704B-3C2D-2983-ED47-B84CB539A2BC}"/>
-                  </a:ext>
-                </a:extLst>
-              </p:cNvPr>
-              <p:cNvSpPr>
-                <a:spLocks noGrp="1" noRot="1" noChangeAspect="1" noMove="1" noResize="1" noEditPoints="1" noAdjustHandles="1" noChangeArrowheads="1" noChangeShapeType="1" noTextEdit="1"/>
-              </p:cNvSpPr>
-              <p:nvPr>
-                <p:ph idx="1"/>
-              </p:nvPr>
-            </p:nvSpPr>
-            <p:spPr>
-              <a:blipFill>
-                <a:blip r:embed="rId2"/>
-                <a:stretch>
-                  <a:fillRect l="-812" t="-1961"/>
-                </a:stretch>
-              </a:blipFill>
-            </p:spPr>
-            <p:txBody>
-              <a:bodyPr/>
-              <a:lstStyle/>
-              <a:p>
-                <a:r>
-                  <a:rPr lang="en-DE">
-                    <a:noFill/>
-                  </a:rPr>
-                  <a:t> </a:t>
-                </a:r>
-              </a:p>
-            </p:txBody>
-          </p:sp>
-        </mc:Fallback>
-      </mc:AlternateContent>
-    </p:spTree>
-    <p:extLst>
-      <p:ext uri="{BB962C8B-B14F-4D97-AF65-F5344CB8AC3E}">
-        <p14:creationId xmlns:p14="http://schemas.microsoft.com/office/powerpoint/2010/main" val="512263830"/>
-      </p:ext>
-    </p:extLst>
-  </p:cSld>
-  <p:clrMapOvr>
-    <a:masterClrMapping/>
-  </p:clrMapOvr>
-  <p:timing>
-    <p:tnLst>
-      <p:par>
-        <p:cTn id="1" dur="indefinite" restart="never" nodeType="tmRoot">
-          <p:childTnLst>
-            <p:seq concurrent="1" nextAc="seek">
-              <p:cTn id="2" dur="indefinite" nodeType="mainSeq">
-                <p:childTnLst>
-                  <p:par>
-                    <p:cTn id="3" fill="hold">
-                      <p:stCondLst>
-                        <p:cond delay="indefinite"/>
-                      </p:stCondLst>
-                      <p:childTnLst>
-                        <p:par>
-                          <p:cTn id="4" fill="hold">
-                            <p:stCondLst>
-                              <p:cond delay="0"/>
-                            </p:stCondLst>
-                            <p:childTnLst>
-                              <p:par>
-                                <p:cTn id="5" presetID="1" presetClass="entr" presetSubtype="0" fill="hold" nodeType="clickEffect">
-                                  <p:stCondLst>
-                                    <p:cond delay="0"/>
-                                  </p:stCondLst>
-                                  <p:childTnLst>
-                                    <p:set>
-                                      <p:cBhvr>
-                                        <p:cTn id="6" dur="1" fill="hold">
-                                          <p:stCondLst>
-                                            <p:cond delay="0"/>
-                                          </p:stCondLst>
-                                        </p:cTn>
-                                        <p:tgtEl>
-                                          <p:spTgt spid="3">
-                                            <p:txEl>
-                                              <p:pRg st="0" end="0"/>
-                                            </p:txEl>
-                                          </p:spTgt>
-                                        </p:tgtEl>
-                                        <p:attrNameLst>
-                                          <p:attrName>style.visibility</p:attrName>
-                                        </p:attrNameLst>
-                                      </p:cBhvr>
-                                      <p:to>
-                                        <p:strVal val="visible"/>
-                                      </p:to>
-                                    </p:set>
-                                  </p:childTnLst>
-                                </p:cTn>
-                              </p:par>
-                            </p:childTnLst>
-                          </p:cTn>
-                        </p:par>
-                      </p:childTnLst>
-                    </p:cTn>
-                  </p:par>
-                  <p:par>
-                    <p:cTn id="7" fill="hold">
-                      <p:stCondLst>
-                        <p:cond delay="indefinite"/>
-                      </p:stCondLst>
-                      <p:childTnLst>
-                        <p:par>
-                          <p:cTn id="8" fill="hold">
-                            <p:stCondLst>
-                              <p:cond delay="0"/>
-                            </p:stCondLst>
-                            <p:childTnLst>
-                              <p:par>
-                                <p:cTn id="9" presetID="1" presetClass="entr" presetSubtype="0" fill="hold" nodeType="clickEffect">
-                                  <p:stCondLst>
-                                    <p:cond delay="0"/>
-                                  </p:stCondLst>
-                                  <p:childTnLst>
-                                    <p:set>
-                                      <p:cBhvr>
-                                        <p:cTn id="10" dur="1" fill="hold">
-                                          <p:stCondLst>
-                                            <p:cond delay="0"/>
-                                          </p:stCondLst>
-                                        </p:cTn>
-                                        <p:tgtEl>
-                                          <p:spTgt spid="3">
-                                            <p:txEl>
-                                              <p:pRg st="1" end="1"/>
-                                            </p:txEl>
-                                          </p:spTgt>
-                                        </p:tgtEl>
-                                        <p:attrNameLst>
-                                          <p:attrName>style.visibility</p:attrName>
-                                        </p:attrNameLst>
-                                      </p:cBhvr>
-                                      <p:to>
-                                        <p:strVal val="visible"/>
-                                      </p:to>
-                                    </p:set>
-                                  </p:childTnLst>
-                                </p:cTn>
-                              </p:par>
-                            </p:childTnLst>
-                          </p:cTn>
-                        </p:par>
-                      </p:childTnLst>
-                    </p:cTn>
-                  </p:par>
-                  <p:par>
-                    <p:cTn id="11" fill="hold">
-                      <p:stCondLst>
-                        <p:cond delay="indefinite"/>
-                      </p:stCondLst>
-                      <p:childTnLst>
-                        <p:par>
-                          <p:cTn id="12" fill="hold">
-                            <p:stCondLst>
-                              <p:cond delay="0"/>
-                            </p:stCondLst>
-                            <p:childTnLst>
-                              <p:par>
-                                <p:cTn id="13" presetID="1" presetClass="entr" presetSubtype="0" fill="hold" nodeType="clickEffect">
-                                  <p:stCondLst>
-                                    <p:cond delay="0"/>
-                                  </p:stCondLst>
-                                  <p:childTnLst>
-                                    <p:set>
-                                      <p:cBhvr>
-                                        <p:cTn id="14" dur="1" fill="hold">
-                                          <p:stCondLst>
-                                            <p:cond delay="0"/>
-                                          </p:stCondLst>
-                                        </p:cTn>
-                                        <p:tgtEl>
-                                          <p:spTgt spid="3">
-                                            <p:txEl>
-                                              <p:pRg st="2" end="2"/>
-                                            </p:txEl>
-                                          </p:spTgt>
-                                        </p:tgtEl>
-                                        <p:attrNameLst>
-                                          <p:attrName>style.visibility</p:attrName>
-                                        </p:attrNameLst>
-                                      </p:cBhvr>
-                                      <p:to>
-                                        <p:strVal val="visible"/>
-                                      </p:to>
-                                    </p:set>
-                                  </p:childTnLst>
-                                </p:cTn>
-                              </p:par>
-                            </p:childTnLst>
-                          </p:cTn>
-                        </p:par>
-                      </p:childTnLst>
-                    </p:cTn>
-                  </p:par>
-                  <p:par>
-                    <p:cTn id="15" fill="hold">
-                      <p:stCondLst>
-                        <p:cond delay="indefinite"/>
-                      </p:stCondLst>
-                      <p:childTnLst>
-                        <p:par>
-                          <p:cTn id="16" fill="hold">
-                            <p:stCondLst>
-                              <p:cond delay="0"/>
-                            </p:stCondLst>
-                            <p:childTnLst>
-                              <p:par>
-                                <p:cTn id="17" presetID="1" presetClass="entr" presetSubtype="0" fill="hold" nodeType="clickEffect">
-                                  <p:stCondLst>
-                                    <p:cond delay="0"/>
-                                  </p:stCondLst>
-                                  <p:childTnLst>
-                                    <p:set>
-                                      <p:cBhvr>
-                                        <p:cTn id="18" dur="1" fill="hold">
-                                          <p:stCondLst>
-                                            <p:cond delay="0"/>
-                                          </p:stCondLst>
-                                        </p:cTn>
-                                        <p:tgtEl>
-                                          <p:spTgt spid="3">
-                                            <p:txEl>
-                                              <p:pRg st="3" end="3"/>
-                                            </p:txEl>
-                                          </p:spTgt>
-                                        </p:tgtEl>
-                                        <p:attrNameLst>
-                                          <p:attrName>style.visibility</p:attrName>
-                                        </p:attrNameLst>
-                                      </p:cBhvr>
-                                      <p:to>
-                                        <p:strVal val="visible"/>
-                                      </p:to>
-                                    </p:set>
-                                  </p:childTnLst>
-                                </p:cTn>
-                              </p:par>
-                            </p:childTnLst>
-                          </p:cTn>
-                        </p:par>
-                      </p:childTnLst>
-                    </p:cTn>
-                  </p:par>
-                  <p:par>
-                    <p:cTn id="19" fill="hold">
-                      <p:stCondLst>
-                        <p:cond delay="indefinite"/>
-                      </p:stCondLst>
-                      <p:childTnLst>
-                        <p:par>
-                          <p:cTn id="20" fill="hold">
-                            <p:stCondLst>
-                              <p:cond delay="0"/>
-                            </p:stCondLst>
-                            <p:childTnLst>
-                              <p:par>
-                                <p:cTn id="21" presetID="1" presetClass="entr" presetSubtype="0" fill="hold" nodeType="clickEffect">
-                                  <p:stCondLst>
-                                    <p:cond delay="0"/>
-                                  </p:stCondLst>
-                                  <p:childTnLst>
-                                    <p:set>
-                                      <p:cBhvr>
-                                        <p:cTn id="22" dur="1" fill="hold">
-                                          <p:stCondLst>
-                                            <p:cond delay="0"/>
-                                          </p:stCondLst>
-                                        </p:cTn>
-                                        <p:tgtEl>
-                                          <p:spTgt spid="3">
-                                            <p:txEl>
-                                              <p:pRg st="4" end="4"/>
-                                            </p:txEl>
-                                          </p:spTgt>
-                                        </p:tgtEl>
-                                        <p:attrNameLst>
-                                          <p:attrName>style.visibility</p:attrName>
-                                        </p:attrNameLst>
-                                      </p:cBhvr>
-                                      <p:to>
-                                        <p:strVal val="visible"/>
-                                      </p:to>
-                                    </p:set>
-                                  </p:childTnLst>
-                                </p:cTn>
-                              </p:par>
-                            </p:childTnLst>
-                          </p:cTn>
-                        </p:par>
-                      </p:childTnLst>
-                    </p:cTn>
-                  </p:par>
-                  <p:par>
-                    <p:cTn id="23" fill="hold">
-                      <p:stCondLst>
-                        <p:cond delay="indefinite"/>
-                      </p:stCondLst>
-                      <p:childTnLst>
-                        <p:par>
-                          <p:cTn id="24" fill="hold">
-                            <p:stCondLst>
-                              <p:cond delay="0"/>
-                            </p:stCondLst>
-                            <p:childTnLst>
-                              <p:par>
-                                <p:cTn id="25" presetID="1" presetClass="entr" presetSubtype="0" fill="hold" nodeType="clickEffect">
-                                  <p:stCondLst>
-                                    <p:cond delay="0"/>
-                                  </p:stCondLst>
-                                  <p:childTnLst>
-                                    <p:set>
-                                      <p:cBhvr>
-                                        <p:cTn id="26" dur="1" fill="hold">
-                                          <p:stCondLst>
-                                            <p:cond delay="0"/>
-                                          </p:stCondLst>
-                                        </p:cTn>
-                                        <p:tgtEl>
-                                          <p:spTgt spid="3">
-                                            <p:txEl>
-                                              <p:pRg st="5" end="5"/>
-                                            </p:txEl>
-                                          </p:spTgt>
-                                        </p:tgtEl>
-                                        <p:attrNameLst>
-                                          <p:attrName>style.visibility</p:attrName>
-                                        </p:attrNameLst>
-                                      </p:cBhvr>
-                                      <p:to>
-                                        <p:strVal val="visible"/>
-                                      </p:to>
-                                    </p:set>
-                                  </p:childTnLst>
-                                </p:cTn>
-                              </p:par>
-                            </p:childTnLst>
-                          </p:cTn>
-                        </p:par>
-                      </p:childTnLst>
-                    </p:cTn>
-                  </p:par>
-                  <p:par>
-                    <p:cTn id="27" fill="hold">
-                      <p:stCondLst>
-                        <p:cond delay="indefinite"/>
-                      </p:stCondLst>
-                      <p:childTnLst>
-                        <p:par>
-                          <p:cTn id="28" fill="hold">
-                            <p:stCondLst>
-                              <p:cond delay="0"/>
-                            </p:stCondLst>
-                            <p:childTnLst>
-                              <p:par>
-                                <p:cTn id="29" presetID="1" presetClass="entr" presetSubtype="0" fill="hold" nodeType="clickEffect">
-                                  <p:stCondLst>
-                                    <p:cond delay="0"/>
-                                  </p:stCondLst>
-                                  <p:childTnLst>
-                                    <p:set>
-                                      <p:cBhvr>
-                                        <p:cTn id="30" dur="1" fill="hold">
-                                          <p:stCondLst>
-                                            <p:cond delay="0"/>
-                                          </p:stCondLst>
-                                        </p:cTn>
-                                        <p:tgtEl>
-                                          <p:spTgt spid="3">
-                                            <p:txEl>
-                                              <p:pRg st="6" end="6"/>
-                                            </p:txEl>
-                                          </p:spTgt>
-                                        </p:tgtEl>
-                                        <p:attrNameLst>
-                                          <p:attrName>style.visibility</p:attrName>
-                                        </p:attrNameLst>
-                                      </p:cBhvr>
-                                      <p:to>
-                                        <p:strVal val="visible"/>
-                                      </p:to>
-                                    </p:set>
-                                  </p:childTnLst>
-                                </p:cTn>
-                              </p:par>
-                            </p:childTnLst>
-                          </p:cTn>
-                        </p:par>
-                      </p:childTnLst>
-                    </p:cTn>
-                  </p:par>
-                  <p:par>
-                    <p:cTn id="31" fill="hold">
-                      <p:stCondLst>
-                        <p:cond delay="indefinite"/>
-                      </p:stCondLst>
-                      <p:childTnLst>
-                        <p:par>
-                          <p:cTn id="32" fill="hold">
-                            <p:stCondLst>
-                              <p:cond delay="0"/>
-                            </p:stCondLst>
-                            <p:childTnLst>
-                              <p:par>
-                                <p:cTn id="33" presetID="1" presetClass="entr" presetSubtype="0" fill="hold" nodeType="clickEffect">
-                                  <p:stCondLst>
-                                    <p:cond delay="0"/>
-                                  </p:stCondLst>
-                                  <p:childTnLst>
-                                    <p:set>
-                                      <p:cBhvr>
-                                        <p:cTn id="34" dur="1" fill="hold">
-                                          <p:stCondLst>
-                                            <p:cond delay="0"/>
-                                          </p:stCondLst>
-                                        </p:cTn>
-                                        <p:tgtEl>
-                                          <p:spTgt spid="3">
-                                            <p:txEl>
-                                              <p:pRg st="7" end="7"/>
-                                            </p:txEl>
-                                          </p:spTgt>
-                                        </p:tgtEl>
-                                        <p:attrNameLst>
-                                          <p:attrName>style.visibility</p:attrName>
-                                        </p:attrNameLst>
-                                      </p:cBhvr>
-                                      <p:to>
-                                        <p:strVal val="visible"/>
-                                      </p:to>
-                                    </p:set>
-                                  </p:childTnLst>
-                                </p:cTn>
-                              </p:par>
-                            </p:childTnLst>
-                          </p:cTn>
-                        </p:par>
-                      </p:childTnLst>
-                    </p:cTn>
-                  </p:par>
-                  <p:par>
-                    <p:cTn id="35" fill="hold">
-                      <p:stCondLst>
-                        <p:cond delay="indefinite"/>
-                      </p:stCondLst>
-                      <p:childTnLst>
-                        <p:par>
-                          <p:cTn id="36" fill="hold">
-                            <p:stCondLst>
-                              <p:cond delay="0"/>
-                            </p:stCondLst>
-                            <p:childTnLst>
-                              <p:par>
-                                <p:cTn id="37" presetID="1" presetClass="entr" presetSubtype="0" fill="hold" nodeType="clickEffect">
-                                  <p:stCondLst>
-                                    <p:cond delay="0"/>
-                                  </p:stCondLst>
-                                  <p:childTnLst>
-                                    <p:set>
-                                      <p:cBhvr>
-                                        <p:cTn id="38" dur="1" fill="hold">
-                                          <p:stCondLst>
-                                            <p:cond delay="0"/>
-                                          </p:stCondLst>
-                                        </p:cTn>
-                                        <p:tgtEl>
-                                          <p:spTgt spid="3">
-                                            <p:txEl>
-                                              <p:pRg st="8" end="8"/>
-                                            </p:txEl>
-                                          </p:spTgt>
-                                        </p:tgtEl>
-                                        <p:attrNameLst>
-                                          <p:attrName>style.visibility</p:attrName>
-                                        </p:attrNameLst>
-                                      </p:cBhvr>
-                                      <p:to>
-                                        <p:strVal val="visible"/>
-                                      </p:to>
-                                    </p:set>
-                                  </p:childTnLst>
-                                </p:cTn>
-                              </p:par>
-                            </p:childTnLst>
-                          </p:cTn>
-                        </p:par>
-                      </p:childTnLst>
-                    </p:cTn>
-                  </p:par>
-                  <p:par>
-                    <p:cTn id="39" fill="hold">
-                      <p:stCondLst>
-                        <p:cond delay="indefinite"/>
-                      </p:stCondLst>
-                      <p:childTnLst>
-                        <p:par>
-                          <p:cTn id="40" fill="hold">
-                            <p:stCondLst>
-                              <p:cond delay="0"/>
-                            </p:stCondLst>
-                            <p:childTnLst>
-                              <p:par>
-                                <p:cTn id="41" presetID="1" presetClass="entr" presetSubtype="0" fill="hold" nodeType="clickEffect">
-                                  <p:stCondLst>
-                                    <p:cond delay="0"/>
-                                  </p:stCondLst>
-                                  <p:childTnLst>
-                                    <p:set>
-                                      <p:cBhvr>
-                                        <p:cTn id="42" dur="1" fill="hold">
-                                          <p:stCondLst>
-                                            <p:cond delay="0"/>
-                                          </p:stCondLst>
-                                        </p:cTn>
-                                        <p:tgtEl>
-                                          <p:spTgt spid="3">
-                                            <p:txEl>
-                                              <p:pRg st="9" end="9"/>
-                                            </p:txEl>
-                                          </p:spTgt>
-                                        </p:tgtEl>
-                                        <p:attrNameLst>
-                                          <p:attrName>style.visibility</p:attrName>
-                                        </p:attrNameLst>
-                                      </p:cBhvr>
-                                      <p:to>
-                                        <p:strVal val="visible"/>
-                                      </p:to>
-                                    </p:set>
-                                  </p:childTnLst>
-                                </p:cTn>
-                              </p:par>
-                            </p:childTnLst>
-                          </p:cTn>
-                        </p:par>
-                      </p:childTnLst>
-                    </p:cTn>
-                  </p:par>
-                </p:childTnLst>
-              </p:cTn>
-              <p:prevCondLst>
-                <p:cond evt="onPrev" delay="0">
-                  <p:tgtEl>
-                    <p:sldTgt/>
-                  </p:tgtEl>
-                </p:cond>
-              </p:prevCondLst>
-              <p:nextCondLst>
-                <p:cond evt="onNext" delay="0">
-                  <p:tgtEl>
-                    <p:sldTgt/>
-                  </p:tgtEl>
-                </p:cond>
-              </p:nextCondLst>
-            </p:seq>
-          </p:childTnLst>
-        </p:cTn>
-      </p:par>
-    </p:tnLst>
-  </p:timing>
 </p:sld>
 </file>
 
@@ -9032,7 +6813,7 @@
         <p:spPr/>
         <p:txBody>
           <a:bodyPr>
-            <a:normAutofit lnSpcReduction="10000"/>
+            <a:normAutofit fontScale="92500" lnSpcReduction="10000"/>
           </a:bodyPr>
           <a:lstStyle/>
           <a:p>
@@ -9061,6 +6842,18 @@
               <a:rPr lang="en-US" dirty="0"/>
               <a:t>For instance, in Bernoulli distributions the support is {0, 1}</a:t>
             </a:r>
+          </a:p>
+          <a:p>
+            <a:pPr lvl="1"/>
+            <a:r>
+              <a:rPr lang="en-US" dirty="0"/>
+              <a:t>(</a:t>
+            </a:r>
+            <a:r>
+              <a:rPr lang="en-US"/>
+              <a:t>except when p=0 or p=1)</a:t>
+            </a:r>
+            <a:endParaRPr lang="en-US" dirty="0"/>
           </a:p>
           <a:p>
             <a:r>
@@ -9576,6 +7369,55 @@
                       </p:childTnLst>
                     </p:cTn>
                   </p:par>
+                  <p:par>
+                    <p:cTn id="39" fill="hold">
+                      <p:stCondLst>
+                        <p:cond delay="indefinite"/>
+                      </p:stCondLst>
+                      <p:childTnLst>
+                        <p:par>
+                          <p:cTn id="40" fill="hold">
+                            <p:stCondLst>
+                              <p:cond delay="0"/>
+                            </p:stCondLst>
+                            <p:childTnLst>
+                              <p:par>
+                                <p:cTn id="41" presetID="1" presetClass="entr" presetSubtype="0" fill="hold" nodeType="clickEffect">
+                                  <p:stCondLst>
+                                    <p:cond delay="0"/>
+                                  </p:stCondLst>
+                                  <p:childTnLst>
+                                    <p:set>
+                                      <p:cBhvr>
+                                        <p:cTn id="42" dur="1" fill="hold">
+                                          <p:stCondLst>
+                                            <p:cond delay="0"/>
+                                          </p:stCondLst>
+                                        </p:cTn>
+                                        <p:tgtEl>
+                                          <p:spTgt spid="3">
+                                            <p:txEl>
+                                              <p:pRg st="9" end="9"/>
+                                            </p:txEl>
+                                          </p:spTgt>
+                                        </p:tgtEl>
+                                        <p:attrNameLst>
+                                          <p:attrName>style.visibility</p:attrName>
+                                        </p:attrNameLst>
+                                      </p:cBhvr>
+                                      <p:to>
+                                        <p:strVal val="visible"/>
+                                      </p:to>
+                                    </p:set>
+                                  </p:childTnLst>
+                                </p:cTn>
+                              </p:par>
+                            </p:childTnLst>
+                          </p:cTn>
+                        </p:par>
+                      </p:childTnLst>
+                    </p:cTn>
+                  </p:par>
                 </p:childTnLst>
               </p:cTn>
               <p:prevCondLst>
@@ -9647,8 +7489,8 @@
           </a:p>
         </p:txBody>
       </p:sp>
-      <mc:AlternateContent xmlns:mc="http://schemas.openxmlformats.org/markup-compatibility/2006">
-        <mc:Choice xmlns:a14="http://schemas.microsoft.com/office/drawing/2010/main" Requires="a14">
+      <mc:AlternateContent xmlns:mc="http://schemas.openxmlformats.org/markup-compatibility/2006" xmlns:a14="http://schemas.microsoft.com/office/drawing/2010/main">
+        <mc:Choice Requires="a14">
           <p:sp>
             <p:nvSpPr>
               <p:cNvPr id="3" name="Content Placeholder 2">
@@ -9780,7 +7622,7 @@
             </p:txBody>
           </p:sp>
         </mc:Choice>
-        <mc:Fallback>
+        <mc:Fallback xmlns="">
           <p:sp>
             <p:nvSpPr>
               <p:cNvPr id="3" name="Content Placeholder 2">
@@ -10305,8 +8147,8 @@
           </a:p>
         </p:txBody>
       </p:sp>
-      <mc:AlternateContent xmlns:mc="http://schemas.openxmlformats.org/markup-compatibility/2006">
-        <mc:Choice xmlns:a14="http://schemas.microsoft.com/office/drawing/2010/main" Requires="a14">
+      <mc:AlternateContent xmlns:mc="http://schemas.openxmlformats.org/markup-compatibility/2006" xmlns:a14="http://schemas.microsoft.com/office/drawing/2010/main">
+        <mc:Choice Requires="a14">
           <p:sp>
             <p:nvSpPr>
               <p:cNvPr id="3" name="Content Placeholder 2">
@@ -10353,7 +8195,15 @@
               <a:p>
                 <a:r>
                   <a:rPr lang="en-US" dirty="0"/>
-                  <a:t>However, not understanding them leads to terrible confusions</a:t>
+                  <a:t>However, not understanding </a:t>
+                </a:r>
+                <a:r>
+                  <a:rPr lang="en-US"/>
+                  <a:t>them can lead </a:t>
+                </a:r>
+                <a:r>
+                  <a:rPr lang="en-US" dirty="0"/>
+                  <a:t>to terrible confusions</a:t>
                 </a:r>
               </a:p>
               <a:p>
@@ -10403,11 +8253,7 @@
                 </a:r>
                 <a:r>
                   <a:rPr lang="en-US" dirty="0"/>
-                  <a:t>with </a:t>
-                </a:r>
-                <a:r>
-                  <a:rPr lang="en-US"/>
-                  <a:t>associated probabilities.</a:t>
+                  <a:t>with associated probabilities.</a:t>
                 </a:r>
                 <a:endParaRPr lang="en-US" i="1" dirty="0"/>
               </a:p>
@@ -10466,7 +8312,7 @@
             </p:txBody>
           </p:sp>
         </mc:Choice>
-        <mc:Fallback>
+        <mc:Fallback xmlns="">
           <p:sp>
             <p:nvSpPr>
               <p:cNvPr id="3" name="Content Placeholder 2">
@@ -11503,7 +9349,7 @@
           <p:cNvPr id="2" name="Title 1">
             <a:extLst>
               <a:ext uri="{FF2B5EF4-FFF2-40B4-BE49-F238E27FC236}">
-                <a16:creationId xmlns:a16="http://schemas.microsoft.com/office/drawing/2014/main" id="{68881A70-A12E-E4F4-FCC3-0E58A0566174}"/>
+                <a16:creationId xmlns:a16="http://schemas.microsoft.com/office/drawing/2014/main" id="{AC3B47EA-D730-1863-0F68-92669E5FC314}"/>
               </a:ext>
             </a:extLst>
           </p:cNvPr>
@@ -11521,20 +9367,20 @@
           <a:p>
             <a:r>
               <a:rPr lang="en-US" dirty="0"/>
-              <a:t>Random variables</a:t>
+              <a:t>Probability – continuous support</a:t>
             </a:r>
             <a:endParaRPr lang="en-DE" dirty="0"/>
           </a:p>
         </p:txBody>
       </p:sp>
-      <mc:AlternateContent xmlns:mc="http://schemas.openxmlformats.org/markup-compatibility/2006">
-        <mc:Choice xmlns:a14="http://schemas.microsoft.com/office/drawing/2010/main" Requires="a14">
+      <mc:AlternateContent xmlns:mc="http://schemas.openxmlformats.org/markup-compatibility/2006" xmlns:a14="http://schemas.microsoft.com/office/drawing/2010/main">
+        <mc:Choice Requires="a14">
           <p:sp>
             <p:nvSpPr>
               <p:cNvPr id="3" name="Content Placeholder 2">
                 <a:extLst>
                   <a:ext uri="{FF2B5EF4-FFF2-40B4-BE49-F238E27FC236}">
-                    <a16:creationId xmlns:a16="http://schemas.microsoft.com/office/drawing/2014/main" id="{56052959-6CC2-E979-6F2B-728B6C35AF14}"/>
+                    <a16:creationId xmlns:a16="http://schemas.microsoft.com/office/drawing/2014/main" id="{A589C42C-4D2C-7207-1C84-58BC1BD6A4B8}"/>
                   </a:ext>
                 </a:extLst>
               </p:cNvPr>
@@ -11545,44 +9391,27 @@
                 <p:ph idx="1"/>
               </p:nvPr>
             </p:nvSpPr>
-            <p:spPr>
-              <a:xfrm>
-                <a:off x="838200" y="1825624"/>
-                <a:ext cx="10515600" cy="4527329"/>
-              </a:xfrm>
-            </p:spPr>
+            <p:spPr/>
             <p:txBody>
-              <a:bodyPr>
-                <a:normAutofit lnSpcReduction="10000"/>
-              </a:bodyPr>
+              <a:bodyPr/>
               <a:lstStyle/>
               <a:p>
                 <a:r>
                   <a:rPr lang="en-US" dirty="0"/>
-                  <a:t>We say that a random variable </a:t>
+                  <a:t>In order to explain the basic terminology, I have only used distributions with finite discrete support.</a:t>
                 </a:r>
-                <a:r>
-                  <a:rPr lang="en-US" i="1" dirty="0"/>
-                  <a:t>has a certain distribution</a:t>
-                </a:r>
+              </a:p>
+              <a:p>
                 <a:r>
                   <a:rPr lang="en-US" dirty="0"/>
-                  <a:t> or that </a:t>
-                </a:r>
-                <a:r>
-                  <a:rPr lang="en-US" i="1" dirty="0"/>
-                  <a:t>it is distributed as a certain distribution </a:t>
-                </a:r>
-                <a:r>
-                  <a:rPr lang="en-US" dirty="0"/>
-                  <a:t>and we write:</a:t>
+                  <a:t>But of course, there are distributions with </a:t>
                 </a:r>
               </a:p>
               <a:p>
                 <a:pPr lvl="1"/>
                 <a:r>
                   <a:rPr lang="en-US" dirty="0"/>
-                  <a:t>Random variable </a:t>
+                  <a:t>Infinite discrete support, e.g., [0, 1, 2, …, </a:t>
                 </a:r>
                 <a14:m>
                   <m:oMath xmlns:m="http://schemas.openxmlformats.org/officeDocument/2006/math">
@@ -11590,171 +9419,66 @@
                       <a:rPr lang="en-US" b="0" i="1" smtClean="0">
                         <a:latin typeface="Cambria Math" panose="02040503050406030204" pitchFamily="18" charset="0"/>
                       </a:rPr>
-                      <m:t>∼</m:t>
+                      <m:t>∞</m:t>
                     </m:r>
                   </m:oMath>
                 </a14:m>
                 <a:r>
                   <a:rPr lang="en-US" dirty="0"/>
-                  <a:t> its distribution</a:t>
-                </a:r>
-              </a:p>
-              <a:p>
-                <a:r>
-                  <a:rPr lang="en-US" dirty="0"/>
-                  <a:t>Note that we are using </a:t>
-                </a:r>
-                <a:r>
-                  <a:rPr lang="en-US" i="1" dirty="0"/>
-                  <a:t>the distribution</a:t>
-                </a:r>
-                <a:r>
-                  <a:rPr lang="en-US" dirty="0"/>
-                  <a:t>, the abstract object</a:t>
-                </a:r>
-              </a:p>
-              <a:p>
-                <a:r>
-                  <a:rPr lang="en-US" dirty="0"/>
-                  <a:t>For instance, </a:t>
+                  <a:t>)</a:t>
                 </a:r>
               </a:p>
               <a:p>
                 <a:pPr lvl="1"/>
                 <a:r>
                   <a:rPr lang="en-US" dirty="0"/>
-                  <a:t>Call </a:t>
-                </a:r>
-                <a:r>
-                  <a:rPr lang="en-US" i="1" dirty="0"/>
-                  <a:t>X</a:t>
-                </a:r>
-                <a:r>
-                  <a:rPr lang="en-US" dirty="0"/>
-                  <a:t> the total number of heads from flipping a fair coin four times</a:t>
+                  <a:t>Bounded continuous support, e.g., [0, 1]</a:t>
                 </a:r>
               </a:p>
               <a:p>
                 <a:pPr lvl="1"/>
                 <a:r>
                   <a:rPr lang="en-US" dirty="0"/>
-                  <a:t>Then we can write:</a:t>
+                  <a:t>Unbounded continuous, e.g., [0, </a:t>
+                </a:r>
+                <a14:m>
+                  <m:oMath xmlns:m="http://schemas.openxmlformats.org/officeDocument/2006/math">
+                    <m:r>
+                      <a:rPr lang="en-US" b="0" i="1" smtClean="0">
+                        <a:latin typeface="Cambria Math" panose="02040503050406030204" pitchFamily="18" charset="0"/>
+                      </a:rPr>
+                      <m:t>∞</m:t>
+                    </m:r>
+                  </m:oMath>
+                </a14:m>
+                <a:r>
+                  <a:rPr lang="en-US" dirty="0"/>
+                  <a:t>)</a:t>
                 </a:r>
               </a:p>
               <a:p>
-                <a:pPr lvl="1"/>
-                <a:endParaRPr lang="en-US" dirty="0"/>
+                <a:r>
+                  <a:rPr lang="en-US" dirty="0"/>
+                  <a:t>It’s a bit harder to deal with them mathematically, but what is important now is that you understand what’s going on conceptually.</a:t>
+                </a:r>
               </a:p>
               <a:p>
-                <a:pPr marL="457200" lvl="1" indent="0" algn="ctr">
-                  <a:buNone/>
-                </a:pPr>
-                <a14:m>
-                  <m:oMathPara xmlns:m="http://schemas.openxmlformats.org/officeDocument/2006/math">
-                    <m:oMathParaPr>
-                      <m:jc m:val="centerGroup"/>
-                    </m:oMathParaPr>
-                    <m:oMath xmlns:m="http://schemas.openxmlformats.org/officeDocument/2006/math">
-                      <m:r>
-                        <a:rPr lang="en-US" b="0" i="1" smtClean="0">
-                          <a:latin typeface="Cambria Math" panose="02040503050406030204" pitchFamily="18" charset="0"/>
-                        </a:rPr>
-                        <m:t>𝑋</m:t>
-                      </m:r>
-                      <m:r>
-                        <a:rPr lang="en-US" b="0" i="1" smtClean="0">
-                          <a:latin typeface="Cambria Math" panose="02040503050406030204" pitchFamily="18" charset="0"/>
-                        </a:rPr>
-                        <m:t>∼</m:t>
-                      </m:r>
-                      <m:r>
-                        <a:rPr lang="en-US" b="0" i="1" smtClean="0">
-                          <a:latin typeface="Cambria Math" panose="02040503050406030204" pitchFamily="18" charset="0"/>
-                        </a:rPr>
-                        <m:t>𝐵𝑖𝑛𝑜𝑚</m:t>
-                      </m:r>
-                      <m:r>
-                        <a:rPr lang="en-US" b="0" i="1" smtClean="0">
-                          <a:latin typeface="Cambria Math" panose="02040503050406030204" pitchFamily="18" charset="0"/>
-                        </a:rPr>
-                        <m:t>(</m:t>
-                      </m:r>
-                      <m:r>
-                        <a:rPr lang="en-US" b="0" i="1" smtClean="0">
-                          <a:latin typeface="Cambria Math" panose="02040503050406030204" pitchFamily="18" charset="0"/>
-                        </a:rPr>
-                        <m:t>𝑛</m:t>
-                      </m:r>
-                      <m:r>
-                        <a:rPr lang="en-US" b="0" i="1" smtClean="0">
-                          <a:latin typeface="Cambria Math" panose="02040503050406030204" pitchFamily="18" charset="0"/>
-                        </a:rPr>
-                        <m:t>=4, </m:t>
-                      </m:r>
-                      <m:r>
-                        <a:rPr lang="en-US" b="0" i="1" smtClean="0">
-                          <a:latin typeface="Cambria Math" panose="02040503050406030204" pitchFamily="18" charset="0"/>
-                        </a:rPr>
-                        <m:t>𝑝</m:t>
-                      </m:r>
-                      <m:r>
-                        <a:rPr lang="en-US" b="0" i="1" smtClean="0">
-                          <a:latin typeface="Cambria Math" panose="02040503050406030204" pitchFamily="18" charset="0"/>
-                        </a:rPr>
-                        <m:t>=0.5)</m:t>
-                      </m:r>
-                    </m:oMath>
-                  </m:oMathPara>
-                </a14:m>
-                <a:endParaRPr lang="en-US" dirty="0"/>
-              </a:p>
-              <a:p>
-                <a:pPr marL="457200" lvl="1" indent="0" algn="ctr">
-                  <a:buNone/>
-                </a:pPr>
-                <a:endParaRPr lang="en-US" dirty="0"/>
-              </a:p>
-              <a:p>
-                <a:pPr lvl="1"/>
                 <a:r>
                   <a:rPr lang="en-US" dirty="0"/>
-                  <a:t>And we say ‘</a:t>
+                  <a:t>Do you know examples of these?</a:t>
                 </a:r>
-                <a:r>
-                  <a:rPr lang="en-US" i="1" dirty="0"/>
-                  <a:t>X</a:t>
-                </a:r>
-                <a:r>
-                  <a:rPr lang="en-US" dirty="0"/>
-                  <a:t> is distributed as a Binomial with </a:t>
-                </a:r>
-                <a:r>
-                  <a:rPr lang="en-US" i="1" dirty="0"/>
-                  <a:t>n</a:t>
-                </a:r>
-                <a:r>
-                  <a:rPr lang="en-US" dirty="0"/>
-                  <a:t> parameter 4 and </a:t>
-                </a:r>
-                <a:r>
-                  <a:rPr lang="en-US" i="1" dirty="0"/>
-                  <a:t>p</a:t>
-                </a:r>
-                <a:r>
-                  <a:rPr lang="en-US" dirty="0"/>
-                  <a:t> parameter 0.5’</a:t>
-                </a:r>
+                <a:endParaRPr lang="en-DE" dirty="0"/>
               </a:p>
             </p:txBody>
           </p:sp>
         </mc:Choice>
-        <mc:Fallback>
+        <mc:Fallback xmlns="">
           <p:sp>
             <p:nvSpPr>
               <p:cNvPr id="3" name="Content Placeholder 2">
                 <a:extLst>
                   <a:ext uri="{FF2B5EF4-FFF2-40B4-BE49-F238E27FC236}">
-                    <a16:creationId xmlns:a16="http://schemas.microsoft.com/office/drawing/2014/main" id="{56052959-6CC2-E979-6F2B-728B6C35AF14}"/>
+                    <a16:creationId xmlns:a16="http://schemas.microsoft.com/office/drawing/2014/main" id="{A589C42C-4D2C-7207-1C84-58BC1BD6A4B8}"/>
                   </a:ext>
                 </a:extLst>
               </p:cNvPr>
@@ -11766,14 +9490,10 @@
               </p:nvPr>
             </p:nvSpPr>
             <p:spPr>
-              <a:xfrm>
-                <a:off x="838200" y="1825624"/>
-                <a:ext cx="10515600" cy="4527329"/>
-              </a:xfrm>
               <a:blipFill>
                 <a:blip r:embed="rId2"/>
                 <a:stretch>
-                  <a:fillRect l="-812" t="-2692"/>
+                  <a:fillRect l="-812" t="-1961"/>
                 </a:stretch>
               </a:blipFill>
             </p:spPr>
@@ -11795,7 +9515,7 @@
     </p:spTree>
     <p:extLst>
       <p:ext uri="{BB962C8B-B14F-4D97-AF65-F5344CB8AC3E}">
-        <p14:creationId xmlns:p14="http://schemas.microsoft.com/office/powerpoint/2010/main" val="1042212803"/>
+        <p14:creationId xmlns:p14="http://schemas.microsoft.com/office/powerpoint/2010/main" val="1097545422"/>
       </p:ext>
     </p:extLst>
   </p:cSld>
@@ -12132,56 +9852,7 @@
                                         <p:tgtEl>
                                           <p:spTgt spid="3">
                                             <p:txEl>
-                                              <p:pRg st="7" end="7"/>
-                                            </p:txEl>
-                                          </p:spTgt>
-                                        </p:tgtEl>
-                                        <p:attrNameLst>
-                                          <p:attrName>style.visibility</p:attrName>
-                                        </p:attrNameLst>
-                                      </p:cBhvr>
-                                      <p:to>
-                                        <p:strVal val="visible"/>
-                                      </p:to>
-                                    </p:set>
-                                  </p:childTnLst>
-                                </p:cTn>
-                              </p:par>
-                            </p:childTnLst>
-                          </p:cTn>
-                        </p:par>
-                      </p:childTnLst>
-                    </p:cTn>
-                  </p:par>
-                  <p:par>
-                    <p:cTn id="31" fill="hold">
-                      <p:stCondLst>
-                        <p:cond delay="indefinite"/>
-                      </p:stCondLst>
-                      <p:childTnLst>
-                        <p:par>
-                          <p:cTn id="32" fill="hold">
-                            <p:stCondLst>
-                              <p:cond delay="0"/>
-                            </p:stCondLst>
-                            <p:childTnLst>
-                              <p:par>
-                                <p:cTn id="33" presetID="1" presetClass="entr" presetSubtype="0" fill="hold" nodeType="clickEffect">
-                                  <p:stCondLst>
-                                    <p:cond delay="0"/>
-                                  </p:stCondLst>
-                                  <p:childTnLst>
-                                    <p:set>
-                                      <p:cBhvr>
-                                        <p:cTn id="34" dur="1" fill="hold">
-                                          <p:stCondLst>
-                                            <p:cond delay="0"/>
-                                          </p:stCondLst>
-                                        </p:cTn>
-                                        <p:tgtEl>
-                                          <p:spTgt spid="3">
-                                            <p:txEl>
-                                              <p:pRg st="9" end="9"/>
+                                              <p:pRg st="6" end="6"/>
                                             </p:txEl>
                                           </p:spTgt>
                                         </p:tgtEl>
